--- a/img/Graphics.pptx
+++ b/img/Graphics.pptx
@@ -2,12 +2,15 @@
 <file path=ppt/presentation.xml><?xml version="1.0" encoding="utf-8"?>
 <p:presentation xmlns:a="http://schemas.openxmlformats.org/drawingml/2006/main" xmlns:r="http://schemas.openxmlformats.org/officeDocument/2006/relationships" xmlns:p="http://schemas.openxmlformats.org/presentationml/2006/main" saveSubsetFonts="1" autoCompressPictures="0">
   <p:sldMasterIdLst>
-    <p:sldMasterId id="2147483660" r:id="rId1"/>
+    <p:sldMasterId id="2147483672" r:id="rId1"/>
   </p:sldMasterIdLst>
+  <p:notesMasterIdLst>
+    <p:notesMasterId r:id="rId3"/>
+  </p:notesMasterIdLst>
   <p:sldIdLst>
     <p:sldId id="257" r:id="rId2"/>
   </p:sldIdLst>
-  <p:sldSz cx="6858000" cy="9907588"/>
+  <p:sldSz cx="6858000" cy="8467725"/>
   <p:notesSz cx="6858000" cy="9144000"/>
   <p:defaultTextStyle>
     <a:defPPr>
@@ -112,6 +115,442 @@
 </p:presentation>
 </file>
 
+<file path=ppt/notesMasters/notesMaster1.xml><?xml version="1.0" encoding="utf-8"?>
+<p:notesMaster xmlns:a="http://schemas.openxmlformats.org/drawingml/2006/main" xmlns:r="http://schemas.openxmlformats.org/officeDocument/2006/relationships" xmlns:p="http://schemas.openxmlformats.org/presentationml/2006/main">
+  <p:cSld>
+    <p:bg>
+      <p:bgRef idx="1001">
+        <a:schemeClr val="bg1"/>
+      </p:bgRef>
+    </p:bg>
+    <p:spTree>
+      <p:nvGrpSpPr>
+        <p:cNvPr id="1" name=""/>
+        <p:cNvGrpSpPr/>
+        <p:nvPr/>
+      </p:nvGrpSpPr>
+      <p:grpSpPr>
+        <a:xfrm>
+          <a:off x="0" y="0"/>
+          <a:ext cx="0" cy="0"/>
+          <a:chOff x="0" y="0"/>
+          <a:chExt cx="0" cy="0"/>
+        </a:xfrm>
+      </p:grpSpPr>
+      <p:sp>
+        <p:nvSpPr>
+          <p:cNvPr id="2" name="Header Placeholder 1"/>
+          <p:cNvSpPr>
+            <a:spLocks noGrp="1"/>
+          </p:cNvSpPr>
+          <p:nvPr>
+            <p:ph type="hdr" sz="quarter"/>
+          </p:nvPr>
+        </p:nvSpPr>
+        <p:spPr>
+          <a:xfrm>
+            <a:off x="0" y="0"/>
+            <a:ext cx="2971800" cy="458788"/>
+          </a:xfrm>
+          <a:prstGeom prst="rect">
+            <a:avLst/>
+          </a:prstGeom>
+        </p:spPr>
+        <p:txBody>
+          <a:bodyPr vert="horz" lIns="91440" tIns="45720" rIns="91440" bIns="45720" rtlCol="0"/>
+          <a:lstStyle>
+            <a:lvl1pPr algn="l">
+              <a:defRPr sz="1200"/>
+            </a:lvl1pPr>
+          </a:lstStyle>
+          <a:p>
+            <a:endParaRPr lang="de-DE"/>
+          </a:p>
+        </p:txBody>
+      </p:sp>
+      <p:sp>
+        <p:nvSpPr>
+          <p:cNvPr id="3" name="Date Placeholder 2"/>
+          <p:cNvSpPr>
+            <a:spLocks noGrp="1"/>
+          </p:cNvSpPr>
+          <p:nvPr>
+            <p:ph type="dt" idx="1"/>
+          </p:nvPr>
+        </p:nvSpPr>
+        <p:spPr>
+          <a:xfrm>
+            <a:off x="3884613" y="0"/>
+            <a:ext cx="2971800" cy="458788"/>
+          </a:xfrm>
+          <a:prstGeom prst="rect">
+            <a:avLst/>
+          </a:prstGeom>
+        </p:spPr>
+        <p:txBody>
+          <a:bodyPr vert="horz" lIns="91440" tIns="45720" rIns="91440" bIns="45720" rtlCol="0"/>
+          <a:lstStyle>
+            <a:lvl1pPr algn="r">
+              <a:defRPr sz="1200"/>
+            </a:lvl1pPr>
+          </a:lstStyle>
+          <a:p>
+            <a:fld id="{DBBCEBCE-5CB0-5A4F-8EA0-EC89FF6ADD12}" type="datetimeFigureOut">
+              <a:t>14.07.20</a:t>
+            </a:fld>
+            <a:endParaRPr lang="de-DE"/>
+          </a:p>
+        </p:txBody>
+      </p:sp>
+      <p:sp>
+        <p:nvSpPr>
+          <p:cNvPr id="4" name="Slide Image Placeholder 3"/>
+          <p:cNvSpPr>
+            <a:spLocks noGrp="1" noRot="1" noChangeAspect="1"/>
+          </p:cNvSpPr>
+          <p:nvPr>
+            <p:ph type="sldImg" idx="2"/>
+          </p:nvPr>
+        </p:nvSpPr>
+        <p:spPr>
+          <a:xfrm>
+            <a:off x="2179638" y="1143000"/>
+            <a:ext cx="2498725" cy="3086100"/>
+          </a:xfrm>
+          <a:prstGeom prst="rect">
+            <a:avLst/>
+          </a:prstGeom>
+          <a:noFill/>
+          <a:ln w="12700">
+            <a:solidFill>
+              <a:prstClr val="black"/>
+            </a:solidFill>
+          </a:ln>
+        </p:spPr>
+        <p:txBody>
+          <a:bodyPr vert="horz" lIns="91440" tIns="45720" rIns="91440" bIns="45720" rtlCol="0" anchor="ctr"/>
+          <a:lstStyle/>
+          <a:p>
+            <a:endParaRPr lang="de-DE"/>
+          </a:p>
+        </p:txBody>
+      </p:sp>
+      <p:sp>
+        <p:nvSpPr>
+          <p:cNvPr id="5" name="Notes Placeholder 4"/>
+          <p:cNvSpPr>
+            <a:spLocks noGrp="1"/>
+          </p:cNvSpPr>
+          <p:nvPr>
+            <p:ph type="body" sz="quarter" idx="3"/>
+          </p:nvPr>
+        </p:nvSpPr>
+        <p:spPr>
+          <a:xfrm>
+            <a:off x="685800" y="4400550"/>
+            <a:ext cx="5486400" cy="3600450"/>
+          </a:xfrm>
+          <a:prstGeom prst="rect">
+            <a:avLst/>
+          </a:prstGeom>
+        </p:spPr>
+        <p:txBody>
+          <a:bodyPr vert="horz" lIns="91440" tIns="45720" rIns="91440" bIns="45720" rtlCol="0"/>
+          <a:lstStyle/>
+          <a:p>
+            <a:pPr lvl="0"/>
+            <a:r>
+              <a:rPr lang="en-GB"/>
+              <a:t>Click to edit Master text styles</a:t>
+            </a:r>
+          </a:p>
+          <a:p>
+            <a:pPr lvl="1"/>
+            <a:r>
+              <a:rPr lang="en-GB"/>
+              <a:t>Second level</a:t>
+            </a:r>
+          </a:p>
+          <a:p>
+            <a:pPr lvl="2"/>
+            <a:r>
+              <a:rPr lang="en-GB"/>
+              <a:t>Third level</a:t>
+            </a:r>
+          </a:p>
+          <a:p>
+            <a:pPr lvl="3"/>
+            <a:r>
+              <a:rPr lang="en-GB"/>
+              <a:t>Fourth level</a:t>
+            </a:r>
+          </a:p>
+          <a:p>
+            <a:pPr lvl="4"/>
+            <a:r>
+              <a:rPr lang="en-GB"/>
+              <a:t>Fifth level</a:t>
+            </a:r>
+            <a:endParaRPr lang="de-DE"/>
+          </a:p>
+        </p:txBody>
+      </p:sp>
+      <p:sp>
+        <p:nvSpPr>
+          <p:cNvPr id="6" name="Footer Placeholder 5"/>
+          <p:cNvSpPr>
+            <a:spLocks noGrp="1"/>
+          </p:cNvSpPr>
+          <p:nvPr>
+            <p:ph type="ftr" sz="quarter" idx="4"/>
+          </p:nvPr>
+        </p:nvSpPr>
+        <p:spPr>
+          <a:xfrm>
+            <a:off x="0" y="8685213"/>
+            <a:ext cx="2971800" cy="458787"/>
+          </a:xfrm>
+          <a:prstGeom prst="rect">
+            <a:avLst/>
+          </a:prstGeom>
+        </p:spPr>
+        <p:txBody>
+          <a:bodyPr vert="horz" lIns="91440" tIns="45720" rIns="91440" bIns="45720" rtlCol="0" anchor="b"/>
+          <a:lstStyle>
+            <a:lvl1pPr algn="l">
+              <a:defRPr sz="1200"/>
+            </a:lvl1pPr>
+          </a:lstStyle>
+          <a:p>
+            <a:endParaRPr lang="de-DE"/>
+          </a:p>
+        </p:txBody>
+      </p:sp>
+      <p:sp>
+        <p:nvSpPr>
+          <p:cNvPr id="7" name="Slide Number Placeholder 6"/>
+          <p:cNvSpPr>
+            <a:spLocks noGrp="1"/>
+          </p:cNvSpPr>
+          <p:nvPr>
+            <p:ph type="sldNum" sz="quarter" idx="5"/>
+          </p:nvPr>
+        </p:nvSpPr>
+        <p:spPr>
+          <a:xfrm>
+            <a:off x="3884613" y="8685213"/>
+            <a:ext cx="2971800" cy="458787"/>
+          </a:xfrm>
+          <a:prstGeom prst="rect">
+            <a:avLst/>
+          </a:prstGeom>
+        </p:spPr>
+        <p:txBody>
+          <a:bodyPr vert="horz" lIns="91440" tIns="45720" rIns="91440" bIns="45720" rtlCol="0" anchor="b"/>
+          <a:lstStyle>
+            <a:lvl1pPr algn="r">
+              <a:defRPr sz="1200"/>
+            </a:lvl1pPr>
+          </a:lstStyle>
+          <a:p>
+            <a:fld id="{8D7E8E07-2EA4-9549-B7B3-9C193438917F}" type="slidenum">
+              <a:t>‹#›</a:t>
+            </a:fld>
+            <a:endParaRPr lang="de-DE"/>
+          </a:p>
+        </p:txBody>
+      </p:sp>
+    </p:spTree>
+    <p:extLst>
+      <p:ext uri="{BB962C8B-B14F-4D97-AF65-F5344CB8AC3E}">
+        <p14:creationId xmlns:p14="http://schemas.microsoft.com/office/powerpoint/2010/main" val="407028970"/>
+      </p:ext>
+    </p:extLst>
+  </p:cSld>
+  <p:clrMap bg1="lt1" tx1="dk1" bg2="lt2" tx2="dk2" accent1="accent1" accent2="accent2" accent3="accent3" accent4="accent4" accent5="accent5" accent6="accent6" hlink="hlink" folHlink="folHlink"/>
+  <p:notesStyle>
+    <a:lvl1pPr marL="0" algn="l" defTabSz="914400" rtl="0" eaLnBrk="1" latinLnBrk="0" hangingPunct="1">
+      <a:defRPr sz="1200" kern="1200">
+        <a:solidFill>
+          <a:schemeClr val="tx1"/>
+        </a:solidFill>
+        <a:latin typeface="+mn-lt"/>
+        <a:ea typeface="+mn-ea"/>
+        <a:cs typeface="+mn-cs"/>
+      </a:defRPr>
+    </a:lvl1pPr>
+    <a:lvl2pPr marL="457200" algn="l" defTabSz="914400" rtl="0" eaLnBrk="1" latinLnBrk="0" hangingPunct="1">
+      <a:defRPr sz="1200" kern="1200">
+        <a:solidFill>
+          <a:schemeClr val="tx1"/>
+        </a:solidFill>
+        <a:latin typeface="+mn-lt"/>
+        <a:ea typeface="+mn-ea"/>
+        <a:cs typeface="+mn-cs"/>
+      </a:defRPr>
+    </a:lvl2pPr>
+    <a:lvl3pPr marL="914400" algn="l" defTabSz="914400" rtl="0" eaLnBrk="1" latinLnBrk="0" hangingPunct="1">
+      <a:defRPr sz="1200" kern="1200">
+        <a:solidFill>
+          <a:schemeClr val="tx1"/>
+        </a:solidFill>
+        <a:latin typeface="+mn-lt"/>
+        <a:ea typeface="+mn-ea"/>
+        <a:cs typeface="+mn-cs"/>
+      </a:defRPr>
+    </a:lvl3pPr>
+    <a:lvl4pPr marL="1371600" algn="l" defTabSz="914400" rtl="0" eaLnBrk="1" latinLnBrk="0" hangingPunct="1">
+      <a:defRPr sz="1200" kern="1200">
+        <a:solidFill>
+          <a:schemeClr val="tx1"/>
+        </a:solidFill>
+        <a:latin typeface="+mn-lt"/>
+        <a:ea typeface="+mn-ea"/>
+        <a:cs typeface="+mn-cs"/>
+      </a:defRPr>
+    </a:lvl4pPr>
+    <a:lvl5pPr marL="1828800" algn="l" defTabSz="914400" rtl="0" eaLnBrk="1" latinLnBrk="0" hangingPunct="1">
+      <a:defRPr sz="1200" kern="1200">
+        <a:solidFill>
+          <a:schemeClr val="tx1"/>
+        </a:solidFill>
+        <a:latin typeface="+mn-lt"/>
+        <a:ea typeface="+mn-ea"/>
+        <a:cs typeface="+mn-cs"/>
+      </a:defRPr>
+    </a:lvl5pPr>
+    <a:lvl6pPr marL="2286000" algn="l" defTabSz="914400" rtl="0" eaLnBrk="1" latinLnBrk="0" hangingPunct="1">
+      <a:defRPr sz="1200" kern="1200">
+        <a:solidFill>
+          <a:schemeClr val="tx1"/>
+        </a:solidFill>
+        <a:latin typeface="+mn-lt"/>
+        <a:ea typeface="+mn-ea"/>
+        <a:cs typeface="+mn-cs"/>
+      </a:defRPr>
+    </a:lvl6pPr>
+    <a:lvl7pPr marL="2743200" algn="l" defTabSz="914400" rtl="0" eaLnBrk="1" latinLnBrk="0" hangingPunct="1">
+      <a:defRPr sz="1200" kern="1200">
+        <a:solidFill>
+          <a:schemeClr val="tx1"/>
+        </a:solidFill>
+        <a:latin typeface="+mn-lt"/>
+        <a:ea typeface="+mn-ea"/>
+        <a:cs typeface="+mn-cs"/>
+      </a:defRPr>
+    </a:lvl7pPr>
+    <a:lvl8pPr marL="3200400" algn="l" defTabSz="914400" rtl="0" eaLnBrk="1" latinLnBrk="0" hangingPunct="1">
+      <a:defRPr sz="1200" kern="1200">
+        <a:solidFill>
+          <a:schemeClr val="tx1"/>
+        </a:solidFill>
+        <a:latin typeface="+mn-lt"/>
+        <a:ea typeface="+mn-ea"/>
+        <a:cs typeface="+mn-cs"/>
+      </a:defRPr>
+    </a:lvl8pPr>
+    <a:lvl9pPr marL="3657600" algn="l" defTabSz="914400" rtl="0" eaLnBrk="1" latinLnBrk="0" hangingPunct="1">
+      <a:defRPr sz="1200" kern="1200">
+        <a:solidFill>
+          <a:schemeClr val="tx1"/>
+        </a:solidFill>
+        <a:latin typeface="+mn-lt"/>
+        <a:ea typeface="+mn-ea"/>
+        <a:cs typeface="+mn-cs"/>
+      </a:defRPr>
+    </a:lvl9pPr>
+  </p:notesStyle>
+</p:notesMaster>
+</file>
+
+<file path=ppt/notesSlides/notesSlide1.xml><?xml version="1.0" encoding="utf-8"?>
+<p:notes xmlns:a="http://schemas.openxmlformats.org/drawingml/2006/main" xmlns:r="http://schemas.openxmlformats.org/officeDocument/2006/relationships" xmlns:p="http://schemas.openxmlformats.org/presentationml/2006/main">
+  <p:cSld>
+    <p:spTree>
+      <p:nvGrpSpPr>
+        <p:cNvPr id="1" name=""/>
+        <p:cNvGrpSpPr/>
+        <p:nvPr/>
+      </p:nvGrpSpPr>
+      <p:grpSpPr>
+        <a:xfrm>
+          <a:off x="0" y="0"/>
+          <a:ext cx="0" cy="0"/>
+          <a:chOff x="0" y="0"/>
+          <a:chExt cx="0" cy="0"/>
+        </a:xfrm>
+      </p:grpSpPr>
+      <p:sp>
+        <p:nvSpPr>
+          <p:cNvPr id="2" name="Slide Image Placeholder 1"/>
+          <p:cNvSpPr>
+            <a:spLocks noGrp="1" noRot="1" noChangeAspect="1"/>
+          </p:cNvSpPr>
+          <p:nvPr>
+            <p:ph type="sldImg"/>
+          </p:nvPr>
+        </p:nvSpPr>
+        <p:spPr>
+          <a:xfrm>
+            <a:off x="2179638" y="1143000"/>
+            <a:ext cx="2498725" cy="3086100"/>
+          </a:xfrm>
+        </p:spPr>
+      </p:sp>
+      <p:sp>
+        <p:nvSpPr>
+          <p:cNvPr id="3" name="Notes Placeholder 2"/>
+          <p:cNvSpPr>
+            <a:spLocks noGrp="1"/>
+          </p:cNvSpPr>
+          <p:nvPr>
+            <p:ph type="body" idx="1"/>
+          </p:nvPr>
+        </p:nvSpPr>
+        <p:spPr/>
+        <p:txBody>
+          <a:bodyPr/>
+          <a:lstStyle/>
+          <a:p>
+            <a:endParaRPr lang="de-DE"/>
+          </a:p>
+        </p:txBody>
+      </p:sp>
+      <p:sp>
+        <p:nvSpPr>
+          <p:cNvPr id="4" name="Slide Number Placeholder 3"/>
+          <p:cNvSpPr>
+            <a:spLocks noGrp="1"/>
+          </p:cNvSpPr>
+          <p:nvPr>
+            <p:ph type="sldNum" sz="quarter" idx="5"/>
+          </p:nvPr>
+        </p:nvSpPr>
+        <p:spPr/>
+        <p:txBody>
+          <a:bodyPr/>
+          <a:lstStyle/>
+          <a:p>
+            <a:fld id="{8D7E8E07-2EA4-9549-B7B3-9C193438917F}" type="slidenum">
+              <a:t>1</a:t>
+            </a:fld>
+            <a:endParaRPr lang="de-DE"/>
+          </a:p>
+        </p:txBody>
+      </p:sp>
+    </p:spTree>
+    <p:extLst>
+      <p:ext uri="{BB962C8B-B14F-4D97-AF65-F5344CB8AC3E}">
+        <p14:creationId xmlns:p14="http://schemas.microsoft.com/office/powerpoint/2010/main" val="1942116189"/>
+      </p:ext>
+    </p:extLst>
+  </p:cSld>
+  <p:clrMapOvr>
+    <a:masterClrMapping/>
+  </p:clrMapOvr>
+</p:notes>
+</file>
+
 <file path=ppt/slideLayouts/slideLayout1.xml><?xml version="1.0" encoding="utf-8"?>
 <p:sldLayout xmlns:a="http://schemas.openxmlformats.org/drawingml/2006/main" xmlns:r="http://schemas.openxmlformats.org/officeDocument/2006/relationships" xmlns:p="http://schemas.openxmlformats.org/presentationml/2006/main" type="title" preserve="1">
   <p:cSld name="Title Slide">
@@ -141,8 +580,8 @@
         </p:nvSpPr>
         <p:spPr>
           <a:xfrm>
-            <a:off x="514350" y="1621451"/>
-            <a:ext cx="5829300" cy="3449308"/>
+            <a:off x="514350" y="1385806"/>
+            <a:ext cx="5829300" cy="2948023"/>
           </a:xfrm>
         </p:spPr>
         <p:txBody>
@@ -173,8 +612,8 @@
         </p:nvSpPr>
         <p:spPr>
           <a:xfrm>
-            <a:off x="857250" y="5203778"/>
-            <a:ext cx="5143500" cy="2392040"/>
+            <a:off x="857250" y="4447516"/>
+            <a:ext cx="5143500" cy="2044406"/>
           </a:xfrm>
         </p:spPr>
         <p:txBody>
@@ -242,7 +681,7 @@
           <a:lstStyle/>
           <a:p>
             <a:fld id="{2A00A408-0677-9D41-8541-E3453844B1F4}" type="datetimeFigureOut">
-              <a:t>16.06.20</a:t>
+              <a:t>14.07.20</a:t>
             </a:fld>
             <a:endParaRPr lang="en-US"/>
           </a:p>
@@ -293,7 +732,7 @@
     </p:spTree>
     <p:extLst>
       <p:ext uri="{BB962C8B-B14F-4D97-AF65-F5344CB8AC3E}">
-        <p14:creationId xmlns:p14="http://schemas.microsoft.com/office/powerpoint/2010/main" val="968459429"/>
+        <p14:creationId xmlns:p14="http://schemas.microsoft.com/office/powerpoint/2010/main" val="4000166257"/>
       </p:ext>
     </p:extLst>
   </p:cSld>
@@ -411,7 +850,7 @@
           <a:lstStyle/>
           <a:p>
             <a:fld id="{2A00A408-0677-9D41-8541-E3453844B1F4}" type="datetimeFigureOut">
-              <a:t>16.06.20</a:t>
+              <a:t>14.07.20</a:t>
             </a:fld>
             <a:endParaRPr lang="en-US"/>
           </a:p>
@@ -462,7 +901,7 @@
     </p:spTree>
     <p:extLst>
       <p:ext uri="{BB962C8B-B14F-4D97-AF65-F5344CB8AC3E}">
-        <p14:creationId xmlns:p14="http://schemas.microsoft.com/office/powerpoint/2010/main" val="4254989479"/>
+        <p14:creationId xmlns:p14="http://schemas.microsoft.com/office/powerpoint/2010/main" val="1562451556"/>
       </p:ext>
     </p:extLst>
   </p:cSld>
@@ -501,8 +940,8 @@
         </p:nvSpPr>
         <p:spPr>
           <a:xfrm>
-            <a:off x="4907757" y="527487"/>
-            <a:ext cx="1478756" cy="8396223"/>
+            <a:off x="4907757" y="450828"/>
+            <a:ext cx="1478756" cy="7176006"/>
           </a:xfrm>
         </p:spPr>
         <p:txBody>
@@ -529,8 +968,8 @@
         </p:nvSpPr>
         <p:spPr>
           <a:xfrm>
-            <a:off x="471488" y="527487"/>
-            <a:ext cx="4350544" cy="8396223"/>
+            <a:off x="471488" y="450828"/>
+            <a:ext cx="4350544" cy="7176006"/>
           </a:xfrm>
         </p:spPr>
         <p:txBody>
@@ -590,7 +1029,7 @@
           <a:lstStyle/>
           <a:p>
             <a:fld id="{2A00A408-0677-9D41-8541-E3453844B1F4}" type="datetimeFigureOut">
-              <a:t>16.06.20</a:t>
+              <a:t>14.07.20</a:t>
             </a:fld>
             <a:endParaRPr lang="en-US"/>
           </a:p>
@@ -641,7 +1080,7 @@
     </p:spTree>
     <p:extLst>
       <p:ext uri="{BB962C8B-B14F-4D97-AF65-F5344CB8AC3E}">
-        <p14:creationId xmlns:p14="http://schemas.microsoft.com/office/powerpoint/2010/main" val="3681863909"/>
+        <p14:creationId xmlns:p14="http://schemas.microsoft.com/office/powerpoint/2010/main" val="269210590"/>
       </p:ext>
     </p:extLst>
   </p:cSld>
@@ -759,7 +1198,7 @@
           <a:lstStyle/>
           <a:p>
             <a:fld id="{2A00A408-0677-9D41-8541-E3453844B1F4}" type="datetimeFigureOut">
-              <a:t>16.06.20</a:t>
+              <a:t>14.07.20</a:t>
             </a:fld>
             <a:endParaRPr lang="en-US"/>
           </a:p>
@@ -810,7 +1249,7 @@
     </p:spTree>
     <p:extLst>
       <p:ext uri="{BB962C8B-B14F-4D97-AF65-F5344CB8AC3E}">
-        <p14:creationId xmlns:p14="http://schemas.microsoft.com/office/powerpoint/2010/main" val="1005800936"/>
+        <p14:creationId xmlns:p14="http://schemas.microsoft.com/office/powerpoint/2010/main" val="3368465589"/>
       </p:ext>
     </p:extLst>
   </p:cSld>
@@ -849,8 +1288,8 @@
         </p:nvSpPr>
         <p:spPr>
           <a:xfrm>
-            <a:off x="467916" y="2470019"/>
-            <a:ext cx="5915025" cy="4121281"/>
+            <a:off x="467916" y="2111053"/>
+            <a:ext cx="5915025" cy="3522338"/>
           </a:xfrm>
         </p:spPr>
         <p:txBody>
@@ -881,8 +1320,8 @@
         </p:nvSpPr>
         <p:spPr>
           <a:xfrm>
-            <a:off x="467916" y="6630289"/>
-            <a:ext cx="5915025" cy="2167284"/>
+            <a:off x="467916" y="5666714"/>
+            <a:ext cx="5915025" cy="1852314"/>
           </a:xfrm>
         </p:spPr>
         <p:txBody>
@@ -1002,7 +1441,7 @@
           <a:lstStyle/>
           <a:p>
             <a:fld id="{2A00A408-0677-9D41-8541-E3453844B1F4}" type="datetimeFigureOut">
-              <a:t>16.06.20</a:t>
+              <a:t>14.07.20</a:t>
             </a:fld>
             <a:endParaRPr lang="en-US"/>
           </a:p>
@@ -1053,7 +1492,7 @@
     </p:spTree>
     <p:extLst>
       <p:ext uri="{BB962C8B-B14F-4D97-AF65-F5344CB8AC3E}">
-        <p14:creationId xmlns:p14="http://schemas.microsoft.com/office/powerpoint/2010/main" val="1388331103"/>
+        <p14:creationId xmlns:p14="http://schemas.microsoft.com/office/powerpoint/2010/main" val="4159635843"/>
       </p:ext>
     </p:extLst>
   </p:cSld>
@@ -1115,8 +1554,8 @@
         </p:nvSpPr>
         <p:spPr>
           <a:xfrm>
-            <a:off x="471488" y="2637436"/>
-            <a:ext cx="2914650" cy="6286274"/>
+            <a:off x="471488" y="2254140"/>
+            <a:ext cx="2914650" cy="5372694"/>
           </a:xfrm>
         </p:spPr>
         <p:txBody>
@@ -1172,8 +1611,8 @@
         </p:nvSpPr>
         <p:spPr>
           <a:xfrm>
-            <a:off x="3471863" y="2637436"/>
-            <a:ext cx="2914650" cy="6286274"/>
+            <a:off x="3471863" y="2254140"/>
+            <a:ext cx="2914650" cy="5372694"/>
           </a:xfrm>
         </p:spPr>
         <p:txBody>
@@ -1233,7 +1672,7 @@
           <a:lstStyle/>
           <a:p>
             <a:fld id="{2A00A408-0677-9D41-8541-E3453844B1F4}" type="datetimeFigureOut">
-              <a:t>16.06.20</a:t>
+              <a:t>14.07.20</a:t>
             </a:fld>
             <a:endParaRPr lang="en-US"/>
           </a:p>
@@ -1284,7 +1723,7 @@
     </p:spTree>
     <p:extLst>
       <p:ext uri="{BB962C8B-B14F-4D97-AF65-F5344CB8AC3E}">
-        <p14:creationId xmlns:p14="http://schemas.microsoft.com/office/powerpoint/2010/main" val="1994742528"/>
+        <p14:creationId xmlns:p14="http://schemas.microsoft.com/office/powerpoint/2010/main" val="1595548831"/>
       </p:ext>
     </p:extLst>
   </p:cSld>
@@ -1323,8 +1762,8 @@
         </p:nvSpPr>
         <p:spPr>
           <a:xfrm>
-            <a:off x="472381" y="527490"/>
-            <a:ext cx="5915025" cy="1915009"/>
+            <a:off x="472381" y="450830"/>
+            <a:ext cx="5915025" cy="1636702"/>
           </a:xfrm>
         </p:spPr>
         <p:txBody>
@@ -1351,8 +1790,8 @@
         </p:nvSpPr>
         <p:spPr>
           <a:xfrm>
-            <a:off x="472381" y="2428736"/>
-            <a:ext cx="2901255" cy="1190286"/>
+            <a:off x="472381" y="2075770"/>
+            <a:ext cx="2901255" cy="1017302"/>
           </a:xfrm>
         </p:spPr>
         <p:txBody>
@@ -1416,8 +1855,8 @@
         </p:nvSpPr>
         <p:spPr>
           <a:xfrm>
-            <a:off x="472381" y="3619022"/>
-            <a:ext cx="2901255" cy="5323036"/>
+            <a:off x="472381" y="3093072"/>
+            <a:ext cx="2901255" cy="4549443"/>
           </a:xfrm>
         </p:spPr>
         <p:txBody>
@@ -1473,8 +1912,8 @@
         </p:nvSpPr>
         <p:spPr>
           <a:xfrm>
-            <a:off x="3471863" y="2428736"/>
-            <a:ext cx="2915543" cy="1190286"/>
+            <a:off x="3471863" y="2075770"/>
+            <a:ext cx="2915543" cy="1017302"/>
           </a:xfrm>
         </p:spPr>
         <p:txBody>
@@ -1538,8 +1977,8 @@
         </p:nvSpPr>
         <p:spPr>
           <a:xfrm>
-            <a:off x="3471863" y="3619022"/>
-            <a:ext cx="2915543" cy="5323036"/>
+            <a:off x="3471863" y="3093072"/>
+            <a:ext cx="2915543" cy="4549443"/>
           </a:xfrm>
         </p:spPr>
         <p:txBody>
@@ -1599,7 +2038,7 @@
           <a:lstStyle/>
           <a:p>
             <a:fld id="{2A00A408-0677-9D41-8541-E3453844B1F4}" type="datetimeFigureOut">
-              <a:t>16.06.20</a:t>
+              <a:t>14.07.20</a:t>
             </a:fld>
             <a:endParaRPr lang="en-US"/>
           </a:p>
@@ -1650,7 +2089,7 @@
     </p:spTree>
     <p:extLst>
       <p:ext uri="{BB962C8B-B14F-4D97-AF65-F5344CB8AC3E}">
-        <p14:creationId xmlns:p14="http://schemas.microsoft.com/office/powerpoint/2010/main" val="3533178739"/>
+        <p14:creationId xmlns:p14="http://schemas.microsoft.com/office/powerpoint/2010/main" val="4233395733"/>
       </p:ext>
     </p:extLst>
   </p:cSld>
@@ -1716,7 +2155,7 @@
           <a:lstStyle/>
           <a:p>
             <a:fld id="{2A00A408-0677-9D41-8541-E3453844B1F4}" type="datetimeFigureOut">
-              <a:t>16.06.20</a:t>
+              <a:t>14.07.20</a:t>
             </a:fld>
             <a:endParaRPr lang="en-US"/>
           </a:p>
@@ -1767,7 +2206,7 @@
     </p:spTree>
     <p:extLst>
       <p:ext uri="{BB962C8B-B14F-4D97-AF65-F5344CB8AC3E}">
-        <p14:creationId xmlns:p14="http://schemas.microsoft.com/office/powerpoint/2010/main" val="1979666850"/>
+        <p14:creationId xmlns:p14="http://schemas.microsoft.com/office/powerpoint/2010/main" val="1524400130"/>
       </p:ext>
     </p:extLst>
   </p:cSld>
@@ -1810,7 +2249,7 @@
           <a:lstStyle/>
           <a:p>
             <a:fld id="{2A00A408-0677-9D41-8541-E3453844B1F4}" type="datetimeFigureOut">
-              <a:t>16.06.20</a:t>
+              <a:t>14.07.20</a:t>
             </a:fld>
             <a:endParaRPr lang="en-US"/>
           </a:p>
@@ -1861,7 +2300,7 @@
     </p:spTree>
     <p:extLst>
       <p:ext uri="{BB962C8B-B14F-4D97-AF65-F5344CB8AC3E}">
-        <p14:creationId xmlns:p14="http://schemas.microsoft.com/office/powerpoint/2010/main" val="3650786093"/>
+        <p14:creationId xmlns:p14="http://schemas.microsoft.com/office/powerpoint/2010/main" val="104003243"/>
       </p:ext>
     </p:extLst>
   </p:cSld>
@@ -1900,8 +2339,8 @@
         </p:nvSpPr>
         <p:spPr>
           <a:xfrm>
-            <a:off x="472381" y="660506"/>
-            <a:ext cx="2211884" cy="2311771"/>
+            <a:off x="472381" y="564515"/>
+            <a:ext cx="2211884" cy="1975803"/>
           </a:xfrm>
         </p:spPr>
         <p:txBody>
@@ -1932,8 +2371,8 @@
         </p:nvSpPr>
         <p:spPr>
           <a:xfrm>
-            <a:off x="2915543" y="1426511"/>
-            <a:ext cx="3471863" cy="7040809"/>
+            <a:off x="2915543" y="1219197"/>
+            <a:ext cx="3471863" cy="6017573"/>
           </a:xfrm>
         </p:spPr>
         <p:txBody>
@@ -2017,8 +2456,8 @@
         </p:nvSpPr>
         <p:spPr>
           <a:xfrm>
-            <a:off x="472381" y="2972276"/>
-            <a:ext cx="2211884" cy="5506510"/>
+            <a:off x="472381" y="2540318"/>
+            <a:ext cx="2211884" cy="4706252"/>
           </a:xfrm>
         </p:spPr>
         <p:txBody>
@@ -2086,7 +2525,7 @@
           <a:lstStyle/>
           <a:p>
             <a:fld id="{2A00A408-0677-9D41-8541-E3453844B1F4}" type="datetimeFigureOut">
-              <a:t>16.06.20</a:t>
+              <a:t>14.07.20</a:t>
             </a:fld>
             <a:endParaRPr lang="en-US"/>
           </a:p>
@@ -2137,7 +2576,7 @@
     </p:spTree>
     <p:extLst>
       <p:ext uri="{BB962C8B-B14F-4D97-AF65-F5344CB8AC3E}">
-        <p14:creationId xmlns:p14="http://schemas.microsoft.com/office/powerpoint/2010/main" val="1108604818"/>
+        <p14:creationId xmlns:p14="http://schemas.microsoft.com/office/powerpoint/2010/main" val="1317379036"/>
       </p:ext>
     </p:extLst>
   </p:cSld>
@@ -2176,8 +2615,8 @@
         </p:nvSpPr>
         <p:spPr>
           <a:xfrm>
-            <a:off x="472381" y="660506"/>
-            <a:ext cx="2211884" cy="2311771"/>
+            <a:off x="472381" y="564515"/>
+            <a:ext cx="2211884" cy="1975803"/>
           </a:xfrm>
         </p:spPr>
         <p:txBody>
@@ -2208,8 +2647,8 @@
         </p:nvSpPr>
         <p:spPr>
           <a:xfrm>
-            <a:off x="2915543" y="1426511"/>
-            <a:ext cx="3471863" cy="7040809"/>
+            <a:off x="2915543" y="1219197"/>
+            <a:ext cx="3471863" cy="6017573"/>
           </a:xfrm>
         </p:spPr>
         <p:txBody>
@@ -2273,8 +2712,8 @@
         </p:nvSpPr>
         <p:spPr>
           <a:xfrm>
-            <a:off x="472381" y="2972276"/>
-            <a:ext cx="2211884" cy="5506510"/>
+            <a:off x="472381" y="2540318"/>
+            <a:ext cx="2211884" cy="4706252"/>
           </a:xfrm>
         </p:spPr>
         <p:txBody>
@@ -2342,7 +2781,7 @@
           <a:lstStyle/>
           <a:p>
             <a:fld id="{2A00A408-0677-9D41-8541-E3453844B1F4}" type="datetimeFigureOut">
-              <a:t>16.06.20</a:t>
+              <a:t>14.07.20</a:t>
             </a:fld>
             <a:endParaRPr lang="en-US"/>
           </a:p>
@@ -2393,7 +2832,7 @@
     </p:spTree>
     <p:extLst>
       <p:ext uri="{BB962C8B-B14F-4D97-AF65-F5344CB8AC3E}">
-        <p14:creationId xmlns:p14="http://schemas.microsoft.com/office/powerpoint/2010/main" val="1046820484"/>
+        <p14:creationId xmlns:p14="http://schemas.microsoft.com/office/powerpoint/2010/main" val="3452157337"/>
       </p:ext>
     </p:extLst>
   </p:cSld>
@@ -2437,8 +2876,8 @@
         </p:nvSpPr>
         <p:spPr>
           <a:xfrm>
-            <a:off x="471488" y="527490"/>
-            <a:ext cx="5915025" cy="1915009"/>
+            <a:off x="471488" y="450830"/>
+            <a:ext cx="5915025" cy="1636702"/>
           </a:xfrm>
           <a:prstGeom prst="rect">
             <a:avLst/>
@@ -2470,8 +2909,8 @@
         </p:nvSpPr>
         <p:spPr>
           <a:xfrm>
-            <a:off x="471488" y="2637436"/>
-            <a:ext cx="5915025" cy="6286274"/>
+            <a:off x="471488" y="2254140"/>
+            <a:ext cx="5915025" cy="5372694"/>
           </a:xfrm>
           <a:prstGeom prst="rect">
             <a:avLst/>
@@ -2532,8 +2971,8 @@
         </p:nvSpPr>
         <p:spPr>
           <a:xfrm>
-            <a:off x="471488" y="9182869"/>
-            <a:ext cx="1543050" cy="527487"/>
+            <a:off x="471488" y="7848328"/>
+            <a:ext cx="1543050" cy="450828"/>
           </a:xfrm>
           <a:prstGeom prst="rect">
             <a:avLst/>
@@ -2554,7 +2993,7 @@
           </a:lstStyle>
           <a:p>
             <a:fld id="{2A00A408-0677-9D41-8541-E3453844B1F4}" type="datetimeFigureOut">
-              <a:t>16.06.20</a:t>
+              <a:t>14.07.20</a:t>
             </a:fld>
             <a:endParaRPr lang="en-US"/>
           </a:p>
@@ -2572,8 +3011,8 @@
         </p:nvSpPr>
         <p:spPr>
           <a:xfrm>
-            <a:off x="2271713" y="9182869"/>
-            <a:ext cx="2314575" cy="527487"/>
+            <a:off x="2271713" y="7848328"/>
+            <a:ext cx="2314575" cy="450828"/>
           </a:xfrm>
           <a:prstGeom prst="rect">
             <a:avLst/>
@@ -2609,8 +3048,8 @@
         </p:nvSpPr>
         <p:spPr>
           <a:xfrm>
-            <a:off x="4843463" y="9182869"/>
-            <a:ext cx="1543050" cy="527487"/>
+            <a:off x="4843463" y="7848328"/>
+            <a:ext cx="1543050" cy="450828"/>
           </a:xfrm>
           <a:prstGeom prst="rect">
             <a:avLst/>
@@ -2641,23 +3080,23 @@
     </p:spTree>
     <p:extLst>
       <p:ext uri="{BB962C8B-B14F-4D97-AF65-F5344CB8AC3E}">
-        <p14:creationId xmlns:p14="http://schemas.microsoft.com/office/powerpoint/2010/main" val="4139403328"/>
+        <p14:creationId xmlns:p14="http://schemas.microsoft.com/office/powerpoint/2010/main" val="3237081801"/>
       </p:ext>
     </p:extLst>
   </p:cSld>
   <p:clrMap bg1="lt1" tx1="dk1" bg2="lt2" tx2="dk2" accent1="accent1" accent2="accent2" accent3="accent3" accent4="accent4" accent5="accent5" accent6="accent6" hlink="hlink" folHlink="folHlink"/>
   <p:sldLayoutIdLst>
-    <p:sldLayoutId id="2147483661" r:id="rId1"/>
-    <p:sldLayoutId id="2147483662" r:id="rId2"/>
-    <p:sldLayoutId id="2147483663" r:id="rId3"/>
-    <p:sldLayoutId id="2147483664" r:id="rId4"/>
-    <p:sldLayoutId id="2147483665" r:id="rId5"/>
-    <p:sldLayoutId id="2147483666" r:id="rId6"/>
-    <p:sldLayoutId id="2147483667" r:id="rId7"/>
-    <p:sldLayoutId id="2147483668" r:id="rId8"/>
-    <p:sldLayoutId id="2147483669" r:id="rId9"/>
-    <p:sldLayoutId id="2147483670" r:id="rId10"/>
-    <p:sldLayoutId id="2147483671" r:id="rId11"/>
+    <p:sldLayoutId id="2147483673" r:id="rId1"/>
+    <p:sldLayoutId id="2147483674" r:id="rId2"/>
+    <p:sldLayoutId id="2147483675" r:id="rId3"/>
+    <p:sldLayoutId id="2147483676" r:id="rId4"/>
+    <p:sldLayoutId id="2147483677" r:id="rId5"/>
+    <p:sldLayoutId id="2147483678" r:id="rId6"/>
+    <p:sldLayoutId id="2147483679" r:id="rId7"/>
+    <p:sldLayoutId id="2147483680" r:id="rId8"/>
+    <p:sldLayoutId id="2147483681" r:id="rId9"/>
+    <p:sldLayoutId id="2147483682" r:id="rId10"/>
+    <p:sldLayoutId id="2147483683" r:id="rId11"/>
   </p:sldLayoutIdLst>
   <p:txStyles>
     <p:titleStyle>
@@ -2973,7 +3412,7 @@
         </p:nvSpPr>
         <p:spPr>
           <a:xfrm>
-            <a:off x="88167" y="3164403"/>
+            <a:off x="88167" y="3219251"/>
             <a:ext cx="385654" cy="215444"/>
           </a:xfrm>
           <a:prstGeom prst="rect">
@@ -3014,14 +3453,14 @@
           <p:nvPr>
             <p:extLst>
               <p:ext uri="{D42A27DB-BD31-4B8C-83A1-F6EECF244321}">
-                <p14:modId xmlns:p14="http://schemas.microsoft.com/office/powerpoint/2010/main" val="3080493373"/>
+                <p14:modId xmlns:p14="http://schemas.microsoft.com/office/powerpoint/2010/main" val="15860183"/>
               </p:ext>
             </p:extLst>
           </p:nvPr>
         </p:nvGraphicFramePr>
         <p:xfrm>
-          <a:off x="153591" y="5641648"/>
-          <a:ext cx="6328749" cy="1008042"/>
+          <a:off x="3453925" y="5696498"/>
+          <a:ext cx="3284543" cy="1033881"/>
         </p:xfrm>
         <a:graphic>
           <a:graphicData uri="http://schemas.openxmlformats.org/drawingml/2006/table">
@@ -3030,14 +3469,14 @@
                 <a:tableStyleId>{5C22544A-7EE6-4342-B048-85BDC9FD1C3A}</a:tableStyleId>
               </a:tblPr>
               <a:tblGrid>
-                <a:gridCol w="310108">
+                <a:gridCol w="281604">
                   <a:extLst>
                     <a:ext uri="{9D8B030D-6E8A-4147-A177-3AD203B41FA5}">
                       <a16:colId xmlns:a16="http://schemas.microsoft.com/office/drawing/2014/main" val="20000"/>
                     </a:ext>
                   </a:extLst>
                 </a:gridCol>
-                <a:gridCol w="6018641">
+                <a:gridCol w="3002939">
                   <a:extLst>
                     <a:ext uri="{9D8B030D-6E8A-4147-A177-3AD203B41FA5}">
                       <a16:colId xmlns:a16="http://schemas.microsoft.com/office/drawing/2014/main" val="20001"/>
@@ -3045,7 +3484,7 @@
                   </a:extLst>
                 </a:gridCol>
               </a:tblGrid>
-              <a:tr h="168007">
+              <a:tr h="159913">
                 <a:tc>
                   <a:txBody>
                     <a:bodyPr/>
@@ -3146,7 +3585,7 @@
                   </a:ext>
                 </a:extLst>
               </a:tr>
-              <a:tr h="168007">
+              <a:tr h="159913">
                 <a:tc>
                   <a:txBody>
                     <a:bodyPr/>
@@ -3244,7 +3683,7 @@
                   </a:ext>
                 </a:extLst>
               </a:tr>
-              <a:tr h="168007">
+              <a:tr h="159913">
                 <a:tc>
                   <a:txBody>
                     <a:bodyPr/>
@@ -3342,7 +3781,7 @@
                   </a:ext>
                 </a:extLst>
               </a:tr>
-              <a:tr h="168007">
+              <a:tr h="159913">
                 <a:tc>
                   <a:txBody>
                     <a:bodyPr/>
@@ -3456,7 +3895,7 @@
                   </a:ext>
                 </a:extLst>
               </a:tr>
-              <a:tr h="168007">
+              <a:tr h="223027">
                 <a:tc>
                   <a:txBody>
                     <a:bodyPr/>
@@ -3570,7 +4009,7 @@
                   </a:ext>
                 </a:extLst>
               </a:tr>
-              <a:tr h="168007">
+              <a:tr h="159913">
                 <a:tc>
                   <a:txBody>
                     <a:bodyPr/>
@@ -3680,7 +4119,7 @@
         </p:nvSpPr>
         <p:spPr>
           <a:xfrm>
-            <a:off x="129731" y="75095"/>
+            <a:off x="129732" y="129943"/>
             <a:ext cx="6558729" cy="215444"/>
           </a:xfrm>
           <a:prstGeom prst="rect">
@@ -3720,7 +4159,7 @@
         </p:nvSpPr>
         <p:spPr>
           <a:xfrm>
-            <a:off x="88167" y="75532"/>
+            <a:off x="88167" y="130380"/>
             <a:ext cx="385654" cy="215444"/>
           </a:xfrm>
           <a:prstGeom prst="rect">
@@ -3761,13 +4200,13 @@
           <p:nvPr>
             <p:extLst>
               <p:ext uri="{D42A27DB-BD31-4B8C-83A1-F6EECF244321}">
-                <p14:modId xmlns:p14="http://schemas.microsoft.com/office/powerpoint/2010/main" val="1334143157"/>
+                <p14:modId xmlns:p14="http://schemas.microsoft.com/office/powerpoint/2010/main" val="826968805"/>
               </p:ext>
             </p:extLst>
           </p:nvPr>
         </p:nvGraphicFramePr>
         <p:xfrm>
-          <a:off x="129734" y="3382972"/>
+          <a:off x="129735" y="3437821"/>
           <a:ext cx="6562597" cy="1668057"/>
         </p:xfrm>
         <a:graphic>
@@ -4455,7 +4894,7 @@
         </p:nvSpPr>
         <p:spPr>
           <a:xfrm>
-            <a:off x="129729" y="3167091"/>
+            <a:off x="129729" y="3221939"/>
             <a:ext cx="6562598" cy="215444"/>
           </a:xfrm>
           <a:prstGeom prst="rect">
@@ -4490,13 +4929,13 @@
           <p:nvPr>
             <p:extLst>
               <p:ext uri="{D42A27DB-BD31-4B8C-83A1-F6EECF244321}">
-                <p14:modId xmlns:p14="http://schemas.microsoft.com/office/powerpoint/2010/main" val="1310258103"/>
+                <p14:modId xmlns:p14="http://schemas.microsoft.com/office/powerpoint/2010/main" val="1084854563"/>
               </p:ext>
             </p:extLst>
           </p:nvPr>
         </p:nvGraphicFramePr>
         <p:xfrm>
-          <a:off x="129732" y="279705"/>
+          <a:off x="129732" y="334553"/>
           <a:ext cx="6478060" cy="2520415"/>
         </p:xfrm>
         <a:graphic>
@@ -5553,7 +5992,7 @@
         </p:nvSpPr>
         <p:spPr>
           <a:xfrm>
-            <a:off x="129732" y="75096"/>
+            <a:off x="129733" y="129944"/>
             <a:ext cx="6558729" cy="2800740"/>
           </a:xfrm>
           <a:prstGeom prst="rect">
@@ -5599,7 +6038,7 @@
         </p:nvSpPr>
         <p:spPr>
           <a:xfrm>
-            <a:off x="440650" y="279705"/>
+            <a:off x="440651" y="334553"/>
             <a:ext cx="6247813" cy="2596131"/>
           </a:xfrm>
           <a:prstGeom prst="rect">
@@ -5662,7 +6101,7 @@
         </p:nvSpPr>
         <p:spPr>
           <a:xfrm>
-            <a:off x="129735" y="3162335"/>
+            <a:off x="129735" y="3217183"/>
             <a:ext cx="6562602" cy="1888694"/>
           </a:xfrm>
           <a:prstGeom prst="rect">
@@ -5714,7 +6153,7 @@
         </p:nvSpPr>
         <p:spPr>
           <a:xfrm>
-            <a:off x="437447" y="3374170"/>
+            <a:off x="437447" y="3429018"/>
             <a:ext cx="6254884" cy="1676860"/>
           </a:xfrm>
           <a:prstGeom prst="rect">
@@ -5779,7 +6218,7 @@
         </p:nvCxnSpPr>
         <p:spPr>
           <a:xfrm>
-            <a:off x="2243237" y="3374170"/>
+            <a:off x="2243238" y="3429018"/>
             <a:ext cx="238445" cy="0"/>
           </a:xfrm>
           <a:prstGeom prst="line">
@@ -5821,14 +6260,14 @@
           <p:nvPr>
             <p:extLst>
               <p:ext uri="{D42A27DB-BD31-4B8C-83A1-F6EECF244321}">
-                <p14:modId xmlns:p14="http://schemas.microsoft.com/office/powerpoint/2010/main" val="3337132056"/>
+                <p14:modId xmlns:p14="http://schemas.microsoft.com/office/powerpoint/2010/main" val="517561819"/>
               </p:ext>
             </p:extLst>
           </p:nvPr>
         </p:nvGraphicFramePr>
         <p:xfrm>
-          <a:off x="158882" y="7278771"/>
-          <a:ext cx="6562601" cy="1022589"/>
+          <a:off x="177462" y="5696498"/>
+          <a:ext cx="2920814" cy="1024611"/>
         </p:xfrm>
         <a:graphic>
           <a:graphicData uri="http://schemas.openxmlformats.org/drawingml/2006/table">
@@ -5837,14 +6276,14 @@
                 <a:tableStyleId>{5C22544A-7EE6-4342-B048-85BDC9FD1C3A}</a:tableStyleId>
               </a:tblPr>
               <a:tblGrid>
-                <a:gridCol w="303714">
+                <a:gridCol w="296681">
                   <a:extLst>
                     <a:ext uri="{9D8B030D-6E8A-4147-A177-3AD203B41FA5}">
                       <a16:colId xmlns:a16="http://schemas.microsoft.com/office/drawing/2014/main" val="20000"/>
                     </a:ext>
                   </a:extLst>
                 </a:gridCol>
-                <a:gridCol w="6258887">
+                <a:gridCol w="2624133">
                   <a:extLst>
                     <a:ext uri="{9D8B030D-6E8A-4147-A177-3AD203B41FA5}">
                       <a16:colId xmlns:a16="http://schemas.microsoft.com/office/drawing/2014/main" val="20001"/>
@@ -5852,7 +6291,7 @@
                   </a:extLst>
                 </a:gridCol>
               </a:tblGrid>
-              <a:tr h="164934">
+              <a:tr h="158059">
                 <a:tc>
                   <a:txBody>
                     <a:bodyPr/>
@@ -5953,7 +6392,7 @@
                   </a:ext>
                 </a:extLst>
               </a:tr>
-              <a:tr h="164934">
+              <a:tr h="158059">
                 <a:tc>
                   <a:txBody>
                     <a:bodyPr/>
@@ -6051,7 +6490,7 @@
                   </a:ext>
                 </a:extLst>
               </a:tr>
-              <a:tr h="164934">
+              <a:tr h="158059">
                 <a:tc>
                   <a:txBody>
                     <a:bodyPr/>
@@ -6149,7 +6588,7 @@
                   </a:ext>
                 </a:extLst>
               </a:tr>
-              <a:tr h="164934">
+              <a:tr h="158059">
                 <a:tc>
                   <a:txBody>
                     <a:bodyPr/>
@@ -6263,7 +6702,7 @@
                   </a:ext>
                 </a:extLst>
               </a:tr>
-              <a:tr h="197919">
+              <a:tr h="224550">
                 <a:tc>
                   <a:txBody>
                     <a:bodyPr/>
@@ -6377,7 +6816,7 @@
                   </a:ext>
                 </a:extLst>
               </a:tr>
-              <a:tr h="164934">
+              <a:tr h="158059">
                 <a:tc>
                   <a:txBody>
                     <a:bodyPr/>
@@ -6497,14 +6936,14 @@
           <p:nvPr>
             <p:extLst>
               <p:ext uri="{D42A27DB-BD31-4B8C-83A1-F6EECF244321}">
-                <p14:modId xmlns:p14="http://schemas.microsoft.com/office/powerpoint/2010/main" val="852533426"/>
+                <p14:modId xmlns:p14="http://schemas.microsoft.com/office/powerpoint/2010/main" val="3679827640"/>
               </p:ext>
             </p:extLst>
           </p:nvPr>
         </p:nvGraphicFramePr>
         <p:xfrm>
-          <a:off x="166103" y="8806036"/>
-          <a:ext cx="6550082" cy="1022589"/>
+          <a:off x="657329" y="7289194"/>
+          <a:ext cx="2048912" cy="1022589"/>
         </p:xfrm>
         <a:graphic>
           <a:graphicData uri="http://schemas.openxmlformats.org/drawingml/2006/table">
@@ -6513,14 +6952,14 @@
                 <a:tableStyleId>{5C22544A-7EE6-4342-B048-85BDC9FD1C3A}</a:tableStyleId>
               </a:tblPr>
               <a:tblGrid>
-                <a:gridCol w="296493">
+                <a:gridCol w="294587">
                   <a:extLst>
                     <a:ext uri="{9D8B030D-6E8A-4147-A177-3AD203B41FA5}">
                       <a16:colId xmlns:a16="http://schemas.microsoft.com/office/drawing/2014/main" val="20000"/>
                     </a:ext>
                   </a:extLst>
                 </a:gridCol>
-                <a:gridCol w="6253589">
+                <a:gridCol w="1754325">
                   <a:extLst>
                     <a:ext uri="{9D8B030D-6E8A-4147-A177-3AD203B41FA5}">
                       <a16:colId xmlns:a16="http://schemas.microsoft.com/office/drawing/2014/main" val="20001"/>
@@ -7106,7 +7545,7 @@
         </p:nvCxnSpPr>
         <p:spPr>
           <a:xfrm>
-            <a:off x="3453934" y="5065912"/>
+            <a:off x="5073329" y="5120760"/>
             <a:ext cx="0" cy="366196"/>
           </a:xfrm>
           <a:prstGeom prst="straightConnector1">
@@ -7147,7 +7586,7 @@
         </p:nvCxnSpPr>
         <p:spPr>
           <a:xfrm flipH="1">
-            <a:off x="132934" y="277866"/>
+            <a:off x="132934" y="332714"/>
             <a:ext cx="307718" cy="1543"/>
           </a:xfrm>
           <a:prstGeom prst="line">
@@ -7190,7 +7629,7 @@
         </p:nvCxnSpPr>
         <p:spPr>
           <a:xfrm flipH="1">
-            <a:off x="127079" y="3374845"/>
+            <a:off x="127079" y="3429694"/>
             <a:ext cx="307718" cy="1543"/>
           </a:xfrm>
           <a:prstGeom prst="line">
@@ -7233,7 +7672,7 @@
         </p:nvCxnSpPr>
         <p:spPr>
           <a:xfrm flipV="1">
-            <a:off x="435295" y="81574"/>
+            <a:off x="435296" y="136422"/>
             <a:ext cx="1" cy="191543"/>
           </a:xfrm>
           <a:prstGeom prst="line">
@@ -7276,7 +7715,7 @@
         </p:nvCxnSpPr>
         <p:spPr>
           <a:xfrm flipV="1">
-            <a:off x="435294" y="3172821"/>
+            <a:off x="435295" y="3227670"/>
             <a:ext cx="1" cy="210697"/>
           </a:xfrm>
           <a:prstGeom prst="line">
@@ -7305,46 +7744,6 @@
       </p:cxnSp>
       <p:sp>
         <p:nvSpPr>
-          <p:cNvPr id="53" name="TextBox 52">
-            <a:extLst>
-              <a:ext uri="{FF2B5EF4-FFF2-40B4-BE49-F238E27FC236}">
-                <a16:creationId xmlns:a16="http://schemas.microsoft.com/office/drawing/2014/main" id="{44FAF092-D2EE-A541-8729-AD7615FB0267}"/>
-              </a:ext>
-            </a:extLst>
-          </p:cNvPr>
-          <p:cNvSpPr txBox="1"/>
-          <p:nvPr/>
-        </p:nvSpPr>
-        <p:spPr>
-          <a:xfrm>
-            <a:off x="109375" y="5434176"/>
-            <a:ext cx="385654" cy="215444"/>
-          </a:xfrm>
-          <a:prstGeom prst="rect">
-            <a:avLst/>
-          </a:prstGeom>
-          <a:noFill/>
-        </p:spPr>
-        <p:txBody>
-          <a:bodyPr wrap="square" rtlCol="0">
-            <a:spAutoFit/>
-          </a:bodyPr>
-          <a:lstStyle/>
-          <a:p>
-            <a:pPr algn="ctr"/>
-            <a:r>
-              <a:rPr lang="en-US" sz="800">
-                <a:latin typeface="Consolas" charset="0"/>
-                <a:ea typeface="Consolas" charset="0"/>
-                <a:cs typeface="Consolas" charset="0"/>
-              </a:rPr>
-              <a:t>idx</a:t>
-            </a:r>
-          </a:p>
-        </p:txBody>
-      </p:sp>
-      <p:sp>
-        <p:nvSpPr>
           <p:cNvPr id="56" name="TextBox 55">
             <a:extLst>
               <a:ext uri="{FF2B5EF4-FFF2-40B4-BE49-F238E27FC236}">
@@ -7357,8 +7756,8 @@
         </p:nvSpPr>
         <p:spPr>
           <a:xfrm>
-            <a:off x="150937" y="5436864"/>
-            <a:ext cx="6562598" cy="215444"/>
+            <a:off x="3428992" y="5491712"/>
+            <a:ext cx="3284543" cy="215444"/>
           </a:xfrm>
           <a:prstGeom prst="rect">
             <a:avLst/>
@@ -7397,8 +7796,8 @@
         </p:nvSpPr>
         <p:spPr>
           <a:xfrm>
-            <a:off x="150943" y="5432108"/>
-            <a:ext cx="6562602" cy="1234426"/>
+            <a:off x="3429000" y="5486956"/>
+            <a:ext cx="3284545" cy="1234426"/>
           </a:xfrm>
           <a:prstGeom prst="rect">
             <a:avLst/>
@@ -7449,8 +7848,8 @@
         </p:nvSpPr>
         <p:spPr>
           <a:xfrm>
-            <a:off x="458655" y="5643943"/>
-            <a:ext cx="6254884" cy="1022591"/>
+            <a:off x="3731574" y="5698792"/>
+            <a:ext cx="2981965" cy="1022591"/>
           </a:xfrm>
           <a:prstGeom prst="rect">
             <a:avLst/>
@@ -7498,135 +7897,6 @@
           </a:p>
         </p:txBody>
       </p:sp>
-      <p:cxnSp>
-        <p:nvCxnSpPr>
-          <p:cNvPr id="60" name="Straight Connector 59">
-            <a:extLst>
-              <a:ext uri="{FF2B5EF4-FFF2-40B4-BE49-F238E27FC236}">
-                <a16:creationId xmlns:a16="http://schemas.microsoft.com/office/drawing/2014/main" id="{A8DBD3E2-52EF-E34F-BF04-8AE4B56B720A}"/>
-              </a:ext>
-            </a:extLst>
-          </p:cNvPr>
-          <p:cNvCxnSpPr>
-            <a:cxnSpLocks/>
-          </p:cNvCxnSpPr>
-          <p:nvPr/>
-        </p:nvCxnSpPr>
-        <p:spPr>
-          <a:xfrm>
-            <a:off x="2264445" y="5643943"/>
-            <a:ext cx="238445" cy="0"/>
-          </a:xfrm>
-          <a:prstGeom prst="line">
-            <a:avLst/>
-          </a:prstGeom>
-          <a:ln>
-            <a:solidFill>
-              <a:schemeClr val="tx1"/>
-            </a:solidFill>
-          </a:ln>
-        </p:spPr>
-        <p:style>
-          <a:lnRef idx="1">
-            <a:schemeClr val="accent1"/>
-          </a:lnRef>
-          <a:fillRef idx="0">
-            <a:schemeClr val="accent1"/>
-          </a:fillRef>
-          <a:effectRef idx="0">
-            <a:schemeClr val="accent1"/>
-          </a:effectRef>
-          <a:fontRef idx="minor">
-            <a:schemeClr val="tx1"/>
-          </a:fontRef>
-        </p:style>
-      </p:cxnSp>
-      <p:cxnSp>
-        <p:nvCxnSpPr>
-          <p:cNvPr id="61" name="Straight Connector 60">
-            <a:extLst>
-              <a:ext uri="{FF2B5EF4-FFF2-40B4-BE49-F238E27FC236}">
-                <a16:creationId xmlns:a16="http://schemas.microsoft.com/office/drawing/2014/main" id="{2F3CC3D4-0ADE-7248-9F54-9BB90553A0F0}"/>
-              </a:ext>
-            </a:extLst>
-          </p:cNvPr>
-          <p:cNvCxnSpPr>
-            <a:cxnSpLocks/>
-          </p:cNvCxnSpPr>
-          <p:nvPr/>
-        </p:nvCxnSpPr>
-        <p:spPr>
-          <a:xfrm flipH="1">
-            <a:off x="148287" y="5644618"/>
-            <a:ext cx="307718" cy="1543"/>
-          </a:xfrm>
-          <a:prstGeom prst="line">
-            <a:avLst/>
-          </a:prstGeom>
-          <a:ln w="12700">
-            <a:solidFill>
-              <a:schemeClr val="tx1"/>
-            </a:solidFill>
-          </a:ln>
-        </p:spPr>
-        <p:style>
-          <a:lnRef idx="1">
-            <a:schemeClr val="accent1"/>
-          </a:lnRef>
-          <a:fillRef idx="0">
-            <a:schemeClr val="accent1"/>
-          </a:fillRef>
-          <a:effectRef idx="0">
-            <a:schemeClr val="accent1"/>
-          </a:effectRef>
-          <a:fontRef idx="minor">
-            <a:schemeClr val="tx1"/>
-          </a:fontRef>
-        </p:style>
-      </p:cxnSp>
-      <p:cxnSp>
-        <p:nvCxnSpPr>
-          <p:cNvPr id="62" name="Straight Connector 61">
-            <a:extLst>
-              <a:ext uri="{FF2B5EF4-FFF2-40B4-BE49-F238E27FC236}">
-                <a16:creationId xmlns:a16="http://schemas.microsoft.com/office/drawing/2014/main" id="{C576705A-0157-134E-AE43-B2B18BD9CD67}"/>
-              </a:ext>
-            </a:extLst>
-          </p:cNvPr>
-          <p:cNvCxnSpPr>
-            <a:cxnSpLocks/>
-          </p:cNvCxnSpPr>
-          <p:nvPr/>
-        </p:nvCxnSpPr>
-        <p:spPr>
-          <a:xfrm flipV="1">
-            <a:off x="456004" y="5442594"/>
-            <a:ext cx="1" cy="210697"/>
-          </a:xfrm>
-          <a:prstGeom prst="line">
-            <a:avLst/>
-          </a:prstGeom>
-          <a:ln w="12700">
-            <a:solidFill>
-              <a:schemeClr val="tx1"/>
-            </a:solidFill>
-          </a:ln>
-        </p:spPr>
-        <p:style>
-          <a:lnRef idx="1">
-            <a:schemeClr val="accent1"/>
-          </a:lnRef>
-          <a:fillRef idx="0">
-            <a:schemeClr val="accent1"/>
-          </a:fillRef>
-          <a:effectRef idx="0">
-            <a:schemeClr val="accent1"/>
-          </a:effectRef>
-          <a:fontRef idx="minor">
-            <a:schemeClr val="tx1"/>
-          </a:fontRef>
-        </p:style>
-      </p:cxnSp>
       <p:sp>
         <p:nvSpPr>
           <p:cNvPr id="64" name="TextBox 63">
@@ -7641,7 +7911,7 @@
         </p:nvSpPr>
         <p:spPr>
           <a:xfrm>
-            <a:off x="114674" y="7061260"/>
+            <a:off x="129095" y="5470795"/>
             <a:ext cx="385654" cy="215444"/>
           </a:xfrm>
           <a:prstGeom prst="rect">
@@ -7681,8 +7951,8 @@
         </p:nvSpPr>
         <p:spPr>
           <a:xfrm>
-            <a:off x="156236" y="7063948"/>
-            <a:ext cx="6562598" cy="215444"/>
+            <a:off x="174812" y="5481674"/>
+            <a:ext cx="2920815" cy="215444"/>
           </a:xfrm>
           <a:prstGeom prst="rect">
             <a:avLst/>
@@ -7721,8 +7991,8 @@
         </p:nvSpPr>
         <p:spPr>
           <a:xfrm>
-            <a:off x="156242" y="7059192"/>
-            <a:ext cx="6562602" cy="1234426"/>
+            <a:off x="163789" y="5476918"/>
+            <a:ext cx="2931848" cy="1234426"/>
           </a:xfrm>
           <a:prstGeom prst="rect">
             <a:avLst/>
@@ -7773,8 +8043,8 @@
         </p:nvSpPr>
         <p:spPr>
           <a:xfrm>
-            <a:off x="463954" y="7271027"/>
-            <a:ext cx="6254884" cy="1022591"/>
+            <a:off x="475724" y="5688754"/>
+            <a:ext cx="2619907" cy="1022591"/>
           </a:xfrm>
           <a:prstGeom prst="rect">
             <a:avLst/>
@@ -7824,49 +8094,6 @@
       </p:sp>
       <p:cxnSp>
         <p:nvCxnSpPr>
-          <p:cNvPr id="68" name="Straight Connector 67">
-            <a:extLst>
-              <a:ext uri="{FF2B5EF4-FFF2-40B4-BE49-F238E27FC236}">
-                <a16:creationId xmlns:a16="http://schemas.microsoft.com/office/drawing/2014/main" id="{DA016E11-CD65-6D46-89E7-DF04C8E9B763}"/>
-              </a:ext>
-            </a:extLst>
-          </p:cNvPr>
-          <p:cNvCxnSpPr>
-            <a:cxnSpLocks/>
-          </p:cNvCxnSpPr>
-          <p:nvPr/>
-        </p:nvCxnSpPr>
-        <p:spPr>
-          <a:xfrm>
-            <a:off x="2269744" y="7271027"/>
-            <a:ext cx="238445" cy="0"/>
-          </a:xfrm>
-          <a:prstGeom prst="line">
-            <a:avLst/>
-          </a:prstGeom>
-          <a:ln>
-            <a:solidFill>
-              <a:schemeClr val="tx1"/>
-            </a:solidFill>
-          </a:ln>
-        </p:spPr>
-        <p:style>
-          <a:lnRef idx="1">
-            <a:schemeClr val="accent1"/>
-          </a:lnRef>
-          <a:fillRef idx="0">
-            <a:schemeClr val="accent1"/>
-          </a:fillRef>
-          <a:effectRef idx="0">
-            <a:schemeClr val="accent1"/>
-          </a:effectRef>
-          <a:fontRef idx="minor">
-            <a:schemeClr val="tx1"/>
-          </a:fontRef>
-        </p:style>
-      </p:cxnSp>
-      <p:cxnSp>
-        <p:nvCxnSpPr>
           <p:cNvPr id="69" name="Straight Connector 68">
             <a:extLst>
               <a:ext uri="{FF2B5EF4-FFF2-40B4-BE49-F238E27FC236}">
@@ -7881,7 +8108,7 @@
         </p:nvCxnSpPr>
         <p:spPr>
           <a:xfrm flipH="1">
-            <a:off x="153586" y="7271702"/>
+            <a:off x="168007" y="5688218"/>
             <a:ext cx="307718" cy="1543"/>
           </a:xfrm>
           <a:prstGeom prst="line">
@@ -7924,7 +8151,7 @@
         </p:nvCxnSpPr>
         <p:spPr>
           <a:xfrm flipV="1">
-            <a:off x="461303" y="7069678"/>
+            <a:off x="475725" y="5479214"/>
             <a:ext cx="1" cy="210697"/>
           </a:xfrm>
           <a:prstGeom prst="line">
@@ -7965,7 +8192,7 @@
         </p:nvSpPr>
         <p:spPr>
           <a:xfrm>
-            <a:off x="112025" y="8586921"/>
+            <a:off x="603251" y="7070078"/>
             <a:ext cx="385654" cy="215444"/>
           </a:xfrm>
           <a:prstGeom prst="rect">
@@ -8005,8 +8232,8 @@
         </p:nvSpPr>
         <p:spPr>
           <a:xfrm>
-            <a:off x="153587" y="8589609"/>
-            <a:ext cx="6562598" cy="215444"/>
+            <a:off x="644814" y="7072766"/>
+            <a:ext cx="2024213" cy="215444"/>
           </a:xfrm>
           <a:prstGeom prst="rect">
             <a:avLst/>
@@ -8045,8 +8272,8 @@
         </p:nvSpPr>
         <p:spPr>
           <a:xfrm>
-            <a:off x="153593" y="8584853"/>
-            <a:ext cx="6562602" cy="1234426"/>
+            <a:off x="644820" y="7068010"/>
+            <a:ext cx="2024213" cy="1234426"/>
           </a:xfrm>
           <a:prstGeom prst="rect">
             <a:avLst/>
@@ -8097,8 +8324,8 @@
         </p:nvSpPr>
         <p:spPr>
           <a:xfrm>
-            <a:off x="461305" y="8796688"/>
-            <a:ext cx="6254884" cy="1022591"/>
+            <a:off x="958896" y="7279846"/>
+            <a:ext cx="1710134" cy="1022591"/>
           </a:xfrm>
           <a:prstGeom prst="rect">
             <a:avLst/>
@@ -8148,49 +8375,6 @@
       </p:sp>
       <p:cxnSp>
         <p:nvCxnSpPr>
-          <p:cNvPr id="77" name="Straight Connector 76">
-            <a:extLst>
-              <a:ext uri="{FF2B5EF4-FFF2-40B4-BE49-F238E27FC236}">
-                <a16:creationId xmlns:a16="http://schemas.microsoft.com/office/drawing/2014/main" id="{97036A22-AE6F-0248-9E57-AD6FA1F8A061}"/>
-              </a:ext>
-            </a:extLst>
-          </p:cNvPr>
-          <p:cNvCxnSpPr>
-            <a:cxnSpLocks/>
-          </p:cNvCxnSpPr>
-          <p:nvPr/>
-        </p:nvCxnSpPr>
-        <p:spPr>
-          <a:xfrm>
-            <a:off x="2267095" y="8796688"/>
-            <a:ext cx="238445" cy="0"/>
-          </a:xfrm>
-          <a:prstGeom prst="line">
-            <a:avLst/>
-          </a:prstGeom>
-          <a:ln>
-            <a:solidFill>
-              <a:schemeClr val="tx1"/>
-            </a:solidFill>
-          </a:ln>
-        </p:spPr>
-        <p:style>
-          <a:lnRef idx="1">
-            <a:schemeClr val="accent1"/>
-          </a:lnRef>
-          <a:fillRef idx="0">
-            <a:schemeClr val="accent1"/>
-          </a:fillRef>
-          <a:effectRef idx="0">
-            <a:schemeClr val="accent1"/>
-          </a:effectRef>
-          <a:fontRef idx="minor">
-            <a:schemeClr val="tx1"/>
-          </a:fontRef>
-        </p:style>
-      </p:cxnSp>
-      <p:cxnSp>
-        <p:nvCxnSpPr>
           <p:cNvPr id="78" name="Straight Connector 77">
             <a:extLst>
               <a:ext uri="{FF2B5EF4-FFF2-40B4-BE49-F238E27FC236}">
@@ -8205,7 +8389,7 @@
         </p:nvCxnSpPr>
         <p:spPr>
           <a:xfrm flipH="1">
-            <a:off x="150937" y="8797363"/>
+            <a:off x="642163" y="7280521"/>
             <a:ext cx="307718" cy="1543"/>
           </a:xfrm>
           <a:prstGeom prst="line">
@@ -8248,7 +8432,7 @@
         </p:nvCxnSpPr>
         <p:spPr>
           <a:xfrm flipV="1">
-            <a:off x="466469" y="8595339"/>
+            <a:off x="957696" y="7078497"/>
             <a:ext cx="1" cy="210697"/>
           </a:xfrm>
           <a:prstGeom prst="line">
@@ -8291,7 +8475,7 @@
         </p:nvCxnSpPr>
         <p:spPr>
           <a:xfrm>
-            <a:off x="3453934" y="2888728"/>
+            <a:off x="3453934" y="2943576"/>
             <a:ext cx="0" cy="275128"/>
           </a:xfrm>
           <a:prstGeom prst="straightConnector1">
@@ -8331,9 +8515,9 @@
           <p:nvPr/>
         </p:nvCxnSpPr>
         <p:spPr>
-          <a:xfrm>
-            <a:off x="3453934" y="6674847"/>
-            <a:ext cx="0" cy="366196"/>
+          <a:xfrm flipH="1">
+            <a:off x="3092208" y="6134283"/>
+            <a:ext cx="331650" cy="278"/>
           </a:xfrm>
           <a:prstGeom prst="straightConnector1">
             <a:avLst/>
@@ -8373,8 +8557,8 @@
         </p:nvCxnSpPr>
         <p:spPr>
           <a:xfrm>
-            <a:off x="3453934" y="8320211"/>
-            <a:ext cx="0" cy="275128"/>
+            <a:off x="1736818" y="6730379"/>
+            <a:ext cx="1241" cy="332543"/>
           </a:xfrm>
           <a:prstGeom prst="straightConnector1">
             <a:avLst/>
@@ -8392,6 +8576,132 @@
           </a:fillRef>
           <a:effectRef idx="1">
             <a:schemeClr val="dk1"/>
+          </a:effectRef>
+          <a:fontRef idx="minor">
+            <a:schemeClr val="tx1"/>
+          </a:fontRef>
+        </p:style>
+      </p:cxnSp>
+      <p:sp>
+        <p:nvSpPr>
+          <p:cNvPr id="51" name="TextBox 50">
+            <a:extLst>
+              <a:ext uri="{FF2B5EF4-FFF2-40B4-BE49-F238E27FC236}">
+                <a16:creationId xmlns:a16="http://schemas.microsoft.com/office/drawing/2014/main" id="{A79F7F67-27D8-F145-A542-E836832412CB}"/>
+              </a:ext>
+            </a:extLst>
+          </p:cNvPr>
+          <p:cNvSpPr txBox="1"/>
+          <p:nvPr/>
+        </p:nvSpPr>
+        <p:spPr>
+          <a:xfrm>
+            <a:off x="3384944" y="5489980"/>
+            <a:ext cx="385654" cy="215444"/>
+          </a:xfrm>
+          <a:prstGeom prst="rect">
+            <a:avLst/>
+          </a:prstGeom>
+          <a:noFill/>
+        </p:spPr>
+        <p:txBody>
+          <a:bodyPr wrap="square" rtlCol="0">
+            <a:spAutoFit/>
+          </a:bodyPr>
+          <a:lstStyle/>
+          <a:p>
+            <a:pPr algn="ctr"/>
+            <a:r>
+              <a:rPr lang="en-US" sz="800">
+                <a:latin typeface="Consolas" charset="0"/>
+                <a:ea typeface="Consolas" charset="0"/>
+                <a:cs typeface="Consolas" charset="0"/>
+              </a:rPr>
+              <a:t>idx</a:t>
+            </a:r>
+          </a:p>
+        </p:txBody>
+      </p:sp>
+      <p:cxnSp>
+        <p:nvCxnSpPr>
+          <p:cNvPr id="52" name="Straight Connector 51">
+            <a:extLst>
+              <a:ext uri="{FF2B5EF4-FFF2-40B4-BE49-F238E27FC236}">
+                <a16:creationId xmlns:a16="http://schemas.microsoft.com/office/drawing/2014/main" id="{CEC6AA86-F527-FE4F-8A54-133CB854B041}"/>
+              </a:ext>
+            </a:extLst>
+          </p:cNvPr>
+          <p:cNvCxnSpPr>
+            <a:cxnSpLocks/>
+          </p:cNvCxnSpPr>
+          <p:nvPr/>
+        </p:nvCxnSpPr>
+        <p:spPr>
+          <a:xfrm flipH="1">
+            <a:off x="3423856" y="5700423"/>
+            <a:ext cx="307718" cy="1543"/>
+          </a:xfrm>
+          <a:prstGeom prst="line">
+            <a:avLst/>
+          </a:prstGeom>
+          <a:ln w="12700">
+            <a:solidFill>
+              <a:schemeClr val="tx1"/>
+            </a:solidFill>
+          </a:ln>
+        </p:spPr>
+        <p:style>
+          <a:lnRef idx="1">
+            <a:schemeClr val="accent1"/>
+          </a:lnRef>
+          <a:fillRef idx="0">
+            <a:schemeClr val="accent1"/>
+          </a:fillRef>
+          <a:effectRef idx="0">
+            <a:schemeClr val="accent1"/>
+          </a:effectRef>
+          <a:fontRef idx="minor">
+            <a:schemeClr val="tx1"/>
+          </a:fontRef>
+        </p:style>
+      </p:cxnSp>
+      <p:cxnSp>
+        <p:nvCxnSpPr>
+          <p:cNvPr id="54" name="Straight Connector 53">
+            <a:extLst>
+              <a:ext uri="{FF2B5EF4-FFF2-40B4-BE49-F238E27FC236}">
+                <a16:creationId xmlns:a16="http://schemas.microsoft.com/office/drawing/2014/main" id="{CEF9F54A-5FD2-6D48-AB69-199165C306CC}"/>
+              </a:ext>
+            </a:extLst>
+          </p:cNvPr>
+          <p:cNvCxnSpPr>
+            <a:cxnSpLocks/>
+          </p:cNvCxnSpPr>
+          <p:nvPr/>
+        </p:nvCxnSpPr>
+        <p:spPr>
+          <a:xfrm flipV="1">
+            <a:off x="3731574" y="5491419"/>
+            <a:ext cx="1" cy="210697"/>
+          </a:xfrm>
+          <a:prstGeom prst="line">
+            <a:avLst/>
+          </a:prstGeom>
+          <a:ln w="12700">
+            <a:solidFill>
+              <a:schemeClr val="tx1"/>
+            </a:solidFill>
+          </a:ln>
+        </p:spPr>
+        <p:style>
+          <a:lnRef idx="1">
+            <a:schemeClr val="accent1"/>
+          </a:lnRef>
+          <a:fillRef idx="0">
+            <a:schemeClr val="accent1"/>
+          </a:fillRef>
+          <a:effectRef idx="0">
+            <a:schemeClr val="accent1"/>
           </a:effectRef>
           <a:fontRef idx="minor">
             <a:schemeClr val="tx1"/>
@@ -8670,4 +8980,299 @@
     </a:ext>
   </a:extLst>
 </a:theme>
+</file>
+
+<file path=ppt/theme/theme2.xml><?xml version="1.0" encoding="utf-8"?>
+<a:theme xmlns:a="http://schemas.openxmlformats.org/drawingml/2006/main" name="Office Theme">
+  <a:themeElements>
+    <a:clrScheme name="Office">
+      <a:dk1>
+        <a:sysClr val="windowText" lastClr="000000"/>
+      </a:dk1>
+      <a:lt1>
+        <a:sysClr val="window" lastClr="FFFFFF"/>
+      </a:lt1>
+      <a:dk2>
+        <a:srgbClr val="44546A"/>
+      </a:dk2>
+      <a:lt2>
+        <a:srgbClr val="E7E6E6"/>
+      </a:lt2>
+      <a:accent1>
+        <a:srgbClr val="4472C4"/>
+      </a:accent1>
+      <a:accent2>
+        <a:srgbClr val="ED7D31"/>
+      </a:accent2>
+      <a:accent3>
+        <a:srgbClr val="A5A5A5"/>
+      </a:accent3>
+      <a:accent4>
+        <a:srgbClr val="FFC000"/>
+      </a:accent4>
+      <a:accent5>
+        <a:srgbClr val="5B9BD5"/>
+      </a:accent5>
+      <a:accent6>
+        <a:srgbClr val="70AD47"/>
+      </a:accent6>
+      <a:hlink>
+        <a:srgbClr val="0563C1"/>
+      </a:hlink>
+      <a:folHlink>
+        <a:srgbClr val="954F72"/>
+      </a:folHlink>
+    </a:clrScheme>
+    <a:fontScheme name="Office">
+      <a:majorFont>
+        <a:latin typeface="Calibri Light" panose="020F0302020204030204"/>
+        <a:ea typeface=""/>
+        <a:cs typeface=""/>
+        <a:font script="Jpan" typeface="游ゴシック Light"/>
+        <a:font script="Hang" typeface="맑은 고딕"/>
+        <a:font script="Hans" typeface="等线 Light"/>
+        <a:font script="Hant" typeface="新細明體"/>
+        <a:font script="Arab" typeface="Times New Roman"/>
+        <a:font script="Hebr" typeface="Times New Roman"/>
+        <a:font script="Thai" typeface="Angsana New"/>
+        <a:font script="Ethi" typeface="Nyala"/>
+        <a:font script="Beng" typeface="Vrinda"/>
+        <a:font script="Gujr" typeface="Shruti"/>
+        <a:font script="Khmr" typeface="MoolBoran"/>
+        <a:font script="Knda" typeface="Tunga"/>
+        <a:font script="Guru" typeface="Raavi"/>
+        <a:font script="Cans" typeface="Euphemia"/>
+        <a:font script="Cher" typeface="Plantagenet Cherokee"/>
+        <a:font script="Yiii" typeface="Microsoft Yi Baiti"/>
+        <a:font script="Tibt" typeface="Microsoft Himalaya"/>
+        <a:font script="Thaa" typeface="MV Boli"/>
+        <a:font script="Deva" typeface="Mangal"/>
+        <a:font script="Telu" typeface="Gautami"/>
+        <a:font script="Taml" typeface="Latha"/>
+        <a:font script="Syrc" typeface="Estrangelo Edessa"/>
+        <a:font script="Orya" typeface="Kalinga"/>
+        <a:font script="Mlym" typeface="Kartika"/>
+        <a:font script="Laoo" typeface="DokChampa"/>
+        <a:font script="Sinh" typeface="Iskoola Pota"/>
+        <a:font script="Mong" typeface="Mongolian Baiti"/>
+        <a:font script="Viet" typeface="Times New Roman"/>
+        <a:font script="Uigh" typeface="Microsoft Uighur"/>
+        <a:font script="Geor" typeface="Sylfaen"/>
+        <a:font script="Armn" typeface="Arial"/>
+        <a:font script="Bugi" typeface="Leelawadee UI"/>
+        <a:font script="Bopo" typeface="Microsoft JhengHei"/>
+        <a:font script="Java" typeface="Javanese Text"/>
+        <a:font script="Lisu" typeface="Segoe UI"/>
+        <a:font script="Mymr" typeface="Myanmar Text"/>
+        <a:font script="Nkoo" typeface="Ebrima"/>
+        <a:font script="Olck" typeface="Nirmala UI"/>
+        <a:font script="Osma" typeface="Ebrima"/>
+        <a:font script="Phag" typeface="Phagspa"/>
+        <a:font script="Syrn" typeface="Estrangelo Edessa"/>
+        <a:font script="Syrj" typeface="Estrangelo Edessa"/>
+        <a:font script="Syre" typeface="Estrangelo Edessa"/>
+        <a:font script="Sora" typeface="Nirmala UI"/>
+        <a:font script="Tale" typeface="Microsoft Tai Le"/>
+        <a:font script="Talu" typeface="Microsoft New Tai Lue"/>
+        <a:font script="Tfng" typeface="Ebrima"/>
+      </a:majorFont>
+      <a:minorFont>
+        <a:latin typeface="Calibri" panose="020F0502020204030204"/>
+        <a:ea typeface=""/>
+        <a:cs typeface=""/>
+        <a:font script="Jpan" typeface="游ゴシック"/>
+        <a:font script="Hang" typeface="맑은 고딕"/>
+        <a:font script="Hans" typeface="等线"/>
+        <a:font script="Hant" typeface="新細明體"/>
+        <a:font script="Arab" typeface="Arial"/>
+        <a:font script="Hebr" typeface="Arial"/>
+        <a:font script="Thai" typeface="Cordia New"/>
+        <a:font script="Ethi" typeface="Nyala"/>
+        <a:font script="Beng" typeface="Vrinda"/>
+        <a:font script="Gujr" typeface="Shruti"/>
+        <a:font script="Khmr" typeface="DaunPenh"/>
+        <a:font script="Knda" typeface="Tunga"/>
+        <a:font script="Guru" typeface="Raavi"/>
+        <a:font script="Cans" typeface="Euphemia"/>
+        <a:font script="Cher" typeface="Plantagenet Cherokee"/>
+        <a:font script="Yiii" typeface="Microsoft Yi Baiti"/>
+        <a:font script="Tibt" typeface="Microsoft Himalaya"/>
+        <a:font script="Thaa" typeface="MV Boli"/>
+        <a:font script="Deva" typeface="Mangal"/>
+        <a:font script="Telu" typeface="Gautami"/>
+        <a:font script="Taml" typeface="Latha"/>
+        <a:font script="Syrc" typeface="Estrangelo Edessa"/>
+        <a:font script="Orya" typeface="Kalinga"/>
+        <a:font script="Mlym" typeface="Kartika"/>
+        <a:font script="Laoo" typeface="DokChampa"/>
+        <a:font script="Sinh" typeface="Iskoola Pota"/>
+        <a:font script="Mong" typeface="Mongolian Baiti"/>
+        <a:font script="Viet" typeface="Arial"/>
+        <a:font script="Uigh" typeface="Microsoft Uighur"/>
+        <a:font script="Geor" typeface="Sylfaen"/>
+        <a:font script="Armn" typeface="Arial"/>
+        <a:font script="Bugi" typeface="Leelawadee UI"/>
+        <a:font script="Bopo" typeface="Microsoft JhengHei"/>
+        <a:font script="Java" typeface="Javanese Text"/>
+        <a:font script="Lisu" typeface="Segoe UI"/>
+        <a:font script="Mymr" typeface="Myanmar Text"/>
+        <a:font script="Nkoo" typeface="Ebrima"/>
+        <a:font script="Olck" typeface="Nirmala UI"/>
+        <a:font script="Osma" typeface="Ebrima"/>
+        <a:font script="Phag" typeface="Phagspa"/>
+        <a:font script="Syrn" typeface="Estrangelo Edessa"/>
+        <a:font script="Syrj" typeface="Estrangelo Edessa"/>
+        <a:font script="Syre" typeface="Estrangelo Edessa"/>
+        <a:font script="Sora" typeface="Nirmala UI"/>
+        <a:font script="Tale" typeface="Microsoft Tai Le"/>
+        <a:font script="Talu" typeface="Microsoft New Tai Lue"/>
+        <a:font script="Tfng" typeface="Ebrima"/>
+      </a:minorFont>
+    </a:fontScheme>
+    <a:fmtScheme name="Office">
+      <a:fillStyleLst>
+        <a:solidFill>
+          <a:schemeClr val="phClr"/>
+        </a:solidFill>
+        <a:gradFill rotWithShape="1">
+          <a:gsLst>
+            <a:gs pos="0">
+              <a:schemeClr val="phClr">
+                <a:lumMod val="110000"/>
+                <a:satMod val="105000"/>
+                <a:tint val="67000"/>
+              </a:schemeClr>
+            </a:gs>
+            <a:gs pos="50000">
+              <a:schemeClr val="phClr">
+                <a:lumMod val="105000"/>
+                <a:satMod val="103000"/>
+                <a:tint val="73000"/>
+              </a:schemeClr>
+            </a:gs>
+            <a:gs pos="100000">
+              <a:schemeClr val="phClr">
+                <a:lumMod val="105000"/>
+                <a:satMod val="109000"/>
+                <a:tint val="81000"/>
+              </a:schemeClr>
+            </a:gs>
+          </a:gsLst>
+          <a:lin ang="5400000" scaled="0"/>
+        </a:gradFill>
+        <a:gradFill rotWithShape="1">
+          <a:gsLst>
+            <a:gs pos="0">
+              <a:schemeClr val="phClr">
+                <a:satMod val="103000"/>
+                <a:lumMod val="102000"/>
+                <a:tint val="94000"/>
+              </a:schemeClr>
+            </a:gs>
+            <a:gs pos="50000">
+              <a:schemeClr val="phClr">
+                <a:satMod val="110000"/>
+                <a:lumMod val="100000"/>
+                <a:shade val="100000"/>
+              </a:schemeClr>
+            </a:gs>
+            <a:gs pos="100000">
+              <a:schemeClr val="phClr">
+                <a:lumMod val="99000"/>
+                <a:satMod val="120000"/>
+                <a:shade val="78000"/>
+              </a:schemeClr>
+            </a:gs>
+          </a:gsLst>
+          <a:lin ang="5400000" scaled="0"/>
+        </a:gradFill>
+      </a:fillStyleLst>
+      <a:lnStyleLst>
+        <a:ln w="6350" cap="flat" cmpd="sng" algn="ctr">
+          <a:solidFill>
+            <a:schemeClr val="phClr"/>
+          </a:solidFill>
+          <a:prstDash val="solid"/>
+          <a:miter lim="800000"/>
+        </a:ln>
+        <a:ln w="12700" cap="flat" cmpd="sng" algn="ctr">
+          <a:solidFill>
+            <a:schemeClr val="phClr"/>
+          </a:solidFill>
+          <a:prstDash val="solid"/>
+          <a:miter lim="800000"/>
+        </a:ln>
+        <a:ln w="19050" cap="flat" cmpd="sng" algn="ctr">
+          <a:solidFill>
+            <a:schemeClr val="phClr"/>
+          </a:solidFill>
+          <a:prstDash val="solid"/>
+          <a:miter lim="800000"/>
+        </a:ln>
+      </a:lnStyleLst>
+      <a:effectStyleLst>
+        <a:effectStyle>
+          <a:effectLst/>
+        </a:effectStyle>
+        <a:effectStyle>
+          <a:effectLst/>
+        </a:effectStyle>
+        <a:effectStyle>
+          <a:effectLst>
+            <a:outerShdw blurRad="57150" dist="19050" dir="5400000" algn="ctr" rotWithShape="0">
+              <a:srgbClr val="000000">
+                <a:alpha val="63000"/>
+              </a:srgbClr>
+            </a:outerShdw>
+          </a:effectLst>
+        </a:effectStyle>
+      </a:effectStyleLst>
+      <a:bgFillStyleLst>
+        <a:solidFill>
+          <a:schemeClr val="phClr"/>
+        </a:solidFill>
+        <a:solidFill>
+          <a:schemeClr val="phClr">
+            <a:tint val="95000"/>
+            <a:satMod val="170000"/>
+          </a:schemeClr>
+        </a:solidFill>
+        <a:gradFill rotWithShape="1">
+          <a:gsLst>
+            <a:gs pos="0">
+              <a:schemeClr val="phClr">
+                <a:tint val="93000"/>
+                <a:satMod val="150000"/>
+                <a:shade val="98000"/>
+                <a:lumMod val="102000"/>
+              </a:schemeClr>
+            </a:gs>
+            <a:gs pos="50000">
+              <a:schemeClr val="phClr">
+                <a:tint val="98000"/>
+                <a:satMod val="130000"/>
+                <a:shade val="90000"/>
+                <a:lumMod val="103000"/>
+              </a:schemeClr>
+            </a:gs>
+            <a:gs pos="100000">
+              <a:schemeClr val="phClr">
+                <a:shade val="63000"/>
+                <a:satMod val="120000"/>
+              </a:schemeClr>
+            </a:gs>
+          </a:gsLst>
+          <a:lin ang="5400000" scaled="0"/>
+        </a:gradFill>
+      </a:bgFillStyleLst>
+    </a:fmtScheme>
+  </a:themeElements>
+  <a:objectDefaults/>
+  <a:extraClrSchemeLst/>
+  <a:extLst>
+    <a:ext uri="{05A4C25C-085E-4340-85A3-A5531E510DB2}">
+      <thm15:themeFamily xmlns:thm15="http://schemas.microsoft.com/office/thememl/2012/main" name="Office Theme" id="{62F939B6-93AF-4DB8-9C6B-D6C7DFDC589F}" vid="{4A3C46E8-61CC-4603-A589-7422A47A8E4A}"/>
+    </a:ext>
+  </a:extLst>
+</a:theme>
 </file>
--- a/img/Graphics.pptx
+++ b/img/Graphics.pptx
@@ -196,7 +196,7 @@
           </a:lstStyle>
           <a:p>
             <a:fld id="{DBBCEBCE-5CB0-5A4F-8EA0-EC89FF6ADD12}" type="datetimeFigureOut">
-              <a:t>14.07.20</a:t>
+              <a:t>11.08.20</a:t>
             </a:fld>
             <a:endParaRPr lang="de-DE"/>
           </a:p>
@@ -681,7 +681,7 @@
           <a:lstStyle/>
           <a:p>
             <a:fld id="{2A00A408-0677-9D41-8541-E3453844B1F4}" type="datetimeFigureOut">
-              <a:t>14.07.20</a:t>
+              <a:t>11.08.20</a:t>
             </a:fld>
             <a:endParaRPr lang="en-US"/>
           </a:p>
@@ -850,7 +850,7 @@
           <a:lstStyle/>
           <a:p>
             <a:fld id="{2A00A408-0677-9D41-8541-E3453844B1F4}" type="datetimeFigureOut">
-              <a:t>14.07.20</a:t>
+              <a:t>11.08.20</a:t>
             </a:fld>
             <a:endParaRPr lang="en-US"/>
           </a:p>
@@ -1029,7 +1029,7 @@
           <a:lstStyle/>
           <a:p>
             <a:fld id="{2A00A408-0677-9D41-8541-E3453844B1F4}" type="datetimeFigureOut">
-              <a:t>14.07.20</a:t>
+              <a:t>11.08.20</a:t>
             </a:fld>
             <a:endParaRPr lang="en-US"/>
           </a:p>
@@ -1198,7 +1198,7 @@
           <a:lstStyle/>
           <a:p>
             <a:fld id="{2A00A408-0677-9D41-8541-E3453844B1F4}" type="datetimeFigureOut">
-              <a:t>14.07.20</a:t>
+              <a:t>11.08.20</a:t>
             </a:fld>
             <a:endParaRPr lang="en-US"/>
           </a:p>
@@ -1441,7 +1441,7 @@
           <a:lstStyle/>
           <a:p>
             <a:fld id="{2A00A408-0677-9D41-8541-E3453844B1F4}" type="datetimeFigureOut">
-              <a:t>14.07.20</a:t>
+              <a:t>11.08.20</a:t>
             </a:fld>
             <a:endParaRPr lang="en-US"/>
           </a:p>
@@ -1672,7 +1672,7 @@
           <a:lstStyle/>
           <a:p>
             <a:fld id="{2A00A408-0677-9D41-8541-E3453844B1F4}" type="datetimeFigureOut">
-              <a:t>14.07.20</a:t>
+              <a:t>11.08.20</a:t>
             </a:fld>
             <a:endParaRPr lang="en-US"/>
           </a:p>
@@ -2038,7 +2038,7 @@
           <a:lstStyle/>
           <a:p>
             <a:fld id="{2A00A408-0677-9D41-8541-E3453844B1F4}" type="datetimeFigureOut">
-              <a:t>14.07.20</a:t>
+              <a:t>11.08.20</a:t>
             </a:fld>
             <a:endParaRPr lang="en-US"/>
           </a:p>
@@ -2155,7 +2155,7 @@
           <a:lstStyle/>
           <a:p>
             <a:fld id="{2A00A408-0677-9D41-8541-E3453844B1F4}" type="datetimeFigureOut">
-              <a:t>14.07.20</a:t>
+              <a:t>11.08.20</a:t>
             </a:fld>
             <a:endParaRPr lang="en-US"/>
           </a:p>
@@ -2249,7 +2249,7 @@
           <a:lstStyle/>
           <a:p>
             <a:fld id="{2A00A408-0677-9D41-8541-E3453844B1F4}" type="datetimeFigureOut">
-              <a:t>14.07.20</a:t>
+              <a:t>11.08.20</a:t>
             </a:fld>
             <a:endParaRPr lang="en-US"/>
           </a:p>
@@ -2525,7 +2525,7 @@
           <a:lstStyle/>
           <a:p>
             <a:fld id="{2A00A408-0677-9D41-8541-E3453844B1F4}" type="datetimeFigureOut">
-              <a:t>14.07.20</a:t>
+              <a:t>11.08.20</a:t>
             </a:fld>
             <a:endParaRPr lang="en-US"/>
           </a:p>
@@ -2781,7 +2781,7 @@
           <a:lstStyle/>
           <a:p>
             <a:fld id="{2A00A408-0677-9D41-8541-E3453844B1F4}" type="datetimeFigureOut">
-              <a:t>14.07.20</a:t>
+              <a:t>11.08.20</a:t>
             </a:fld>
             <a:endParaRPr lang="en-US"/>
           </a:p>
@@ -2993,7 +2993,7 @@
           </a:lstStyle>
           <a:p>
             <a:fld id="{2A00A408-0677-9D41-8541-E3453844B1F4}" type="datetimeFigureOut">
-              <a:t>14.07.20</a:t>
+              <a:t>11.08.20</a:t>
             </a:fld>
             <a:endParaRPr lang="en-US"/>
           </a:p>
@@ -3453,14 +3453,14 @@
           <p:nvPr>
             <p:extLst>
               <p:ext uri="{D42A27DB-BD31-4B8C-83A1-F6EECF244321}">
-                <p14:modId xmlns:p14="http://schemas.microsoft.com/office/powerpoint/2010/main" val="15860183"/>
+                <p14:modId xmlns:p14="http://schemas.microsoft.com/office/powerpoint/2010/main" val="195200583"/>
               </p:ext>
             </p:extLst>
           </p:nvPr>
         </p:nvGraphicFramePr>
         <p:xfrm>
-          <a:off x="3453925" y="5696498"/>
-          <a:ext cx="3284543" cy="1033881"/>
+          <a:off x="3462870" y="5781915"/>
+          <a:ext cx="3284543" cy="1183272"/>
         </p:xfrm>
         <a:graphic>
           <a:graphicData uri="http://schemas.openxmlformats.org/drawingml/2006/table">
@@ -3484,7 +3484,7 @@
                   </a:extLst>
                 </a:gridCol>
               </a:tblGrid>
-              <a:tr h="159913">
+              <a:tr h="184696">
                 <a:tc>
                   <a:txBody>
                     <a:bodyPr/>
@@ -3492,7 +3492,7 @@
                     <a:p>
                       <a:pPr algn="ctr"/>
                       <a:r>
-                        <a:rPr lang="en-US" sz="600" b="0">
+                        <a:rPr lang="en-US" sz="800" b="0">
                           <a:solidFill>
                             <a:schemeClr val="tx1"/>
                           </a:solidFill>
@@ -3535,7 +3535,7 @@
                     <a:p>
                       <a:pPr algn="l"/>
                       <a:r>
-                        <a:rPr lang="de-DE" sz="600" b="0">
+                        <a:rPr lang="de-DE" sz="800" b="0">
                           <a:solidFill>
                             <a:schemeClr val="tx1"/>
                           </a:solidFill>
@@ -3545,7 +3545,7 @@
                         </a:rPr>
                         <a:t>&lt;*&gt; VM &lt;*&gt; (Lifecycle Event)</a:t>
                       </a:r>
-                      <a:endParaRPr lang="en-US" sz="600" b="0">
+                      <a:endParaRPr lang="en-US" sz="800" b="0">
                         <a:solidFill>
                           <a:schemeClr val="tx1"/>
                         </a:solidFill>
@@ -3585,7 +3585,7 @@
                   </a:ext>
                 </a:extLst>
               </a:tr>
-              <a:tr h="159913">
+              <a:tr h="184696">
                 <a:tc>
                   <a:txBody>
                     <a:bodyPr/>
@@ -3593,7 +3593,7 @@
                     <a:p>
                       <a:pPr algn="ctr"/>
                       <a:r>
-                        <a:rPr lang="en-US" sz="600">
+                        <a:rPr lang="en-US" sz="800">
                           <a:solidFill>
                             <a:schemeClr val="tx1"/>
                           </a:solidFill>
@@ -3636,14 +3636,14 @@
                     <a:p>
                       <a:pPr algn="l"/>
                       <a:r>
-                        <a:rPr lang="en-US" sz="600">
+                        <a:rPr lang="en-US" sz="800">
                           <a:latin typeface="Consolas" charset="0"/>
                           <a:ea typeface="Consolas" charset="0"/>
                           <a:cs typeface="Consolas" charset="0"/>
                         </a:rPr>
                         <a:t>&lt;*&gt; Instance &lt;*&gt; successfully.</a:t>
                       </a:r>
-                      <a:endParaRPr lang="en-US" sz="600">
+                      <a:endParaRPr lang="en-US" sz="800">
                         <a:solidFill>
                           <a:schemeClr val="tx1"/>
                         </a:solidFill>
@@ -3683,7 +3683,7 @@
                   </a:ext>
                 </a:extLst>
               </a:tr>
-              <a:tr h="159913">
+              <a:tr h="314592">
                 <a:tc>
                   <a:txBody>
                     <a:bodyPr/>
@@ -3691,7 +3691,7 @@
                     <a:p>
                       <a:pPr algn="ctr"/>
                       <a:r>
-                        <a:rPr lang="en-US" sz="600">
+                        <a:rPr lang="en-US" sz="800">
                           <a:solidFill>
                             <a:schemeClr val="tx1"/>
                           </a:solidFill>
@@ -3734,14 +3734,14 @@
                     <a:p>
                       <a:pPr algn="l"/>
                       <a:r>
-                        <a:rPr lang="en-US" sz="600">
+                        <a:rPr lang="en-US" sz="800">
                           <a:latin typeface="Consolas" charset="0"/>
                           <a:ea typeface="Consolas" charset="0"/>
                           <a:cs typeface="Consolas" charset="0"/>
                         </a:rPr>
                         <a:t>&lt;*&gt; Took &lt;*&gt;.&lt;*&gt; seconds to &lt;*&gt; the instance on the hypervisor.</a:t>
                       </a:r>
-                      <a:endParaRPr lang="en-US" sz="600">
+                      <a:endParaRPr lang="en-US" sz="800">
                         <a:solidFill>
                           <a:schemeClr val="tx1"/>
                         </a:solidFill>
@@ -3781,7 +3781,7 @@
                   </a:ext>
                 </a:extLst>
               </a:tr>
-              <a:tr h="159913">
+              <a:tr h="314592">
                 <a:tc>
                   <a:txBody>
                     <a:bodyPr/>
@@ -3789,7 +3789,7 @@
                     <a:p>
                       <a:pPr algn="ctr"/>
                       <a:r>
-                        <a:rPr lang="en-US" sz="600">
+                        <a:rPr lang="en-US" sz="800">
                           <a:solidFill>
                             <a:schemeClr val="tx1"/>
                           </a:solidFill>
@@ -3797,7 +3797,7 @@
                           <a:ea typeface="Consolas" charset="0"/>
                           <a:cs typeface="Consolas" charset="0"/>
                         </a:rPr>
-                        <a:t>5</a:t>
+                        <a:t>4</a:t>
                       </a:r>
                     </a:p>
                   </a:txBody>
@@ -3848,14 +3848,14 @@
                         <a:defRPr/>
                       </a:pPr>
                       <a:r>
-                        <a:rPr lang="en-US" sz="600">
+                        <a:rPr lang="en-US" sz="800">
                           <a:latin typeface="Consolas" charset="0"/>
                           <a:ea typeface="Consolas" charset="0"/>
                           <a:cs typeface="Consolas" charset="0"/>
                         </a:rPr>
-                        <a:t>&lt;*&gt; Took &lt;*&gt;.&lt;*&gt; seconds to build instance.</a:t>
+                        <a:t>&lt;*&gt; During sync_power_state the instance has a pending task (spawning). Skip.</a:t>
                       </a:r>
-                      <a:endParaRPr lang="en-US" sz="600">
+                      <a:endParaRPr lang="en-US" sz="800">
                         <a:solidFill>
                           <a:schemeClr val="tx1"/>
                         </a:solidFill>
@@ -3891,11 +3891,11 @@
                 </a:tc>
                 <a:extLst>
                   <a:ext uri="{0D108BD9-81ED-4DB2-BD59-A6C34878D82A}">
-                    <a16:rowId xmlns:a16="http://schemas.microsoft.com/office/drawing/2014/main" val="10004"/>
+                    <a16:rowId xmlns:a16="http://schemas.microsoft.com/office/drawing/2014/main" val="10005"/>
                   </a:ext>
                 </a:extLst>
               </a:tr>
-              <a:tr h="223027">
+              <a:tr h="184696">
                 <a:tc>
                   <a:txBody>
                     <a:bodyPr/>
@@ -3903,121 +3903,7 @@
                     <a:p>
                       <a:pPr algn="ctr"/>
                       <a:r>
-                        <a:rPr lang="en-US" sz="600">
-                          <a:solidFill>
-                            <a:schemeClr val="tx1"/>
-                          </a:solidFill>
-                          <a:latin typeface="Consolas" charset="0"/>
-                          <a:ea typeface="Consolas" charset="0"/>
-                          <a:cs typeface="Consolas" charset="0"/>
-                        </a:rPr>
-                        <a:t>4</a:t>
-                      </a:r>
-                    </a:p>
-                  </a:txBody>
-                  <a:tcPr marL="51435" marR="51435" marT="25718" marB="25718" anchor="ctr">
-                    <a:lnL w="12700" cmpd="sng">
-                      <a:noFill/>
-                    </a:lnL>
-                    <a:lnR w="12700" cmpd="sng">
-                      <a:noFill/>
-                    </a:lnR>
-                    <a:lnT w="12700" cmpd="sng">
-                      <a:noFill/>
-                    </a:lnT>
-                    <a:lnB w="12700" cmpd="sng">
-                      <a:noFill/>
-                    </a:lnB>
-                    <a:lnTlToBr w="12700" cmpd="sng">
-                      <a:noFill/>
-                      <a:prstDash val="solid"/>
-                    </a:lnTlToBr>
-                    <a:lnBlToTr w="12700" cmpd="sng">
-                      <a:noFill/>
-                      <a:prstDash val="solid"/>
-                    </a:lnBlToTr>
-                    <a:noFill/>
-                  </a:tcPr>
-                </a:tc>
-                <a:tc>
-                  <a:txBody>
-                    <a:bodyPr/>
-                    <a:lstStyle/>
-                    <a:p>
-                      <a:pPr marL="0" marR="0" lvl="0" indent="0" algn="l" defTabSz="914400" rtl="0" eaLnBrk="1" fontAlgn="auto" latinLnBrk="0" hangingPunct="1">
-                        <a:lnSpc>
-                          <a:spcPct val="100000"/>
-                        </a:lnSpc>
-                        <a:spcBef>
-                          <a:spcPts val="0"/>
-                        </a:spcBef>
-                        <a:spcAft>
-                          <a:spcPts val="0"/>
-                        </a:spcAft>
-                        <a:buClrTx/>
-                        <a:buSzTx/>
-                        <a:buFontTx/>
-                        <a:buNone/>
-                        <a:tabLst/>
-                        <a:defRPr/>
-                      </a:pPr>
-                      <a:r>
-                        <a:rPr lang="en-US" sz="600">
-                          <a:latin typeface="Consolas" charset="0"/>
-                          <a:ea typeface="Consolas" charset="0"/>
-                          <a:cs typeface="Consolas" charset="0"/>
-                        </a:rPr>
-                        <a:t>&lt;*&gt; During sync_power_state the instance has a pending task (spawning). Skip.</a:t>
-                      </a:r>
-                      <a:endParaRPr lang="en-US" sz="600">
-                        <a:solidFill>
-                          <a:schemeClr val="tx1"/>
-                        </a:solidFill>
-                        <a:latin typeface="Consolas" charset="0"/>
-                        <a:ea typeface="Consolas" charset="0"/>
-                        <a:cs typeface="Consolas" charset="0"/>
-                      </a:endParaRPr>
-                    </a:p>
-                  </a:txBody>
-                  <a:tcPr marL="51435" marR="51435" marT="25718" marB="25718" anchor="ctr">
-                    <a:lnL w="12700" cmpd="sng">
-                      <a:noFill/>
-                    </a:lnL>
-                    <a:lnR w="12700" cmpd="sng">
-                      <a:noFill/>
-                    </a:lnR>
-                    <a:lnT w="12700" cmpd="sng">
-                      <a:noFill/>
-                    </a:lnT>
-                    <a:lnB w="12700" cmpd="sng">
-                      <a:noFill/>
-                    </a:lnB>
-                    <a:lnTlToBr w="12700" cmpd="sng">
-                      <a:noFill/>
-                      <a:prstDash val="solid"/>
-                    </a:lnTlToBr>
-                    <a:lnBlToTr w="12700" cmpd="sng">
-                      <a:noFill/>
-                      <a:prstDash val="solid"/>
-                    </a:lnBlToTr>
-                    <a:noFill/>
-                  </a:tcPr>
-                </a:tc>
-                <a:extLst>
-                  <a:ext uri="{0D108BD9-81ED-4DB2-BD59-A6C34878D82A}">
-                    <a16:rowId xmlns:a16="http://schemas.microsoft.com/office/drawing/2014/main" val="10005"/>
-                  </a:ext>
-                </a:extLst>
-              </a:tr>
-              <a:tr h="159913">
-                <a:tc>
-                  <a:txBody>
-                    <a:bodyPr/>
-                    <a:lstStyle/>
-                    <a:p>
-                      <a:pPr algn="ctr"/>
-                      <a:r>
-                        <a:rPr lang="en-US" sz="600">
+                        <a:rPr lang="en-US" sz="800">
                           <a:solidFill>
                             <a:schemeClr val="tx1"/>
                           </a:solidFill>
@@ -4060,14 +3946,14 @@
                     <a:p>
                       <a:pPr algn="l"/>
                       <a:r>
-                        <a:rPr lang="en-US" sz="600">
+                        <a:rPr lang="en-US" sz="800">
                           <a:latin typeface="Consolas" charset="0"/>
                           <a:ea typeface="Consolas" charset="0"/>
                           <a:cs typeface="Consolas" charset="0"/>
                         </a:rPr>
                         <a:t>&lt;*&gt; VM &lt;*&gt; (Lifecycle Event)</a:t>
                       </a:r>
-                      <a:endParaRPr lang="en-US" sz="600">
+                      <a:endParaRPr lang="en-US" sz="800">
                         <a:solidFill>
                           <a:schemeClr val="tx1"/>
                         </a:solidFill>
@@ -4119,8 +4005,8 @@
         </p:nvSpPr>
         <p:spPr>
           <a:xfrm>
-            <a:off x="129732" y="129943"/>
-            <a:ext cx="6558729" cy="215444"/>
+            <a:off x="129733" y="43296"/>
+            <a:ext cx="6558729" cy="246221"/>
           </a:xfrm>
           <a:prstGeom prst="rect">
             <a:avLst/>
@@ -4135,7 +4021,7 @@
           <a:p>
             <a:pPr algn="ctr"/>
             <a:r>
-              <a:rPr lang="en-US" sz="800">
+              <a:rPr lang="en-US" sz="1000">
                 <a:latin typeface="Consolas" charset="0"/>
                 <a:ea typeface="Consolas" charset="0"/>
                 <a:cs typeface="Consolas" charset="0"/>
@@ -4159,7 +4045,7 @@
         </p:nvSpPr>
         <p:spPr>
           <a:xfrm>
-            <a:off x="88167" y="130380"/>
+            <a:off x="88167" y="43295"/>
             <a:ext cx="385654" cy="215444"/>
           </a:xfrm>
           <a:prstGeom prst="rect">
@@ -4200,14 +4086,14 @@
           <p:nvPr>
             <p:extLst>
               <p:ext uri="{D42A27DB-BD31-4B8C-83A1-F6EECF244321}">
-                <p14:modId xmlns:p14="http://schemas.microsoft.com/office/powerpoint/2010/main" val="826968805"/>
+                <p14:modId xmlns:p14="http://schemas.microsoft.com/office/powerpoint/2010/main" val="998274786"/>
               </p:ext>
             </p:extLst>
           </p:nvPr>
         </p:nvGraphicFramePr>
         <p:xfrm>
           <a:off x="129735" y="3437821"/>
-          <a:ext cx="6562597" cy="1668057"/>
+          <a:ext cx="6562597" cy="1842140"/>
         </p:xfrm>
         <a:graphic>
           <a:graphicData uri="http://schemas.openxmlformats.org/drawingml/2006/table">
@@ -4239,7 +4125,7 @@
                     <a:p>
                       <a:pPr algn="ctr"/>
                       <a:r>
-                        <a:rPr lang="en-US" sz="600" b="0">
+                        <a:rPr lang="en-US" sz="800" b="0">
                           <a:solidFill>
                             <a:schemeClr val="tx1"/>
                           </a:solidFill>
@@ -4282,7 +4168,7 @@
                     <a:p>
                       <a:pPr algn="l"/>
                       <a:r>
-                        <a:rPr lang="mr-IN" sz="600" b="0">
+                        <a:rPr lang="mr-IN" sz="800" b="0">
                           <a:solidFill>
                             <a:schemeClr val="tx1"/>
                           </a:solidFill>
@@ -4293,7 +4179,7 @@
                         <a:t>nova-compute.log.2017-05-14_21:27:09 2017-05-14 19:39:22.577 2931 INFO nova.compute.manager [req-3ea4052c-895d-4b64-9e2d-04d64c4d94ab - - - - -] [</a:t>
                       </a:r>
                       <a:r>
-                        <a:rPr lang="en-US" sz="600" b="0">
+                        <a:rPr lang="en-US" sz="800" b="0">
                           <a:solidFill>
                             <a:schemeClr val="tx1"/>
                           </a:solidFill>
@@ -4304,7 +4190,7 @@
                         <a:t>instance: 3edec1e4-9678-4a3a-a21b-a145a4ee5e61</a:t>
                       </a:r>
                       <a:r>
-                        <a:rPr lang="mr-IN" sz="600" b="0">
+                        <a:rPr lang="mr-IN" sz="800" b="0">
                           <a:solidFill>
                             <a:schemeClr val="tx1"/>
                           </a:solidFill>
@@ -4314,7 +4200,7 @@
                         </a:rPr>
                         <a:t>] VM Resumed (Lifecycle Event)</a:t>
                       </a:r>
-                      <a:endParaRPr lang="en-US" sz="600" b="0">
+                      <a:endParaRPr lang="en-US" sz="800" b="0">
                         <a:solidFill>
                           <a:schemeClr val="tx1"/>
                         </a:solidFill>
@@ -4362,7 +4248,7 @@
                     <a:p>
                       <a:pPr algn="ctr"/>
                       <a:r>
-                        <a:rPr lang="en-US" sz="600">
+                        <a:rPr lang="en-US" sz="800">
                           <a:solidFill>
                             <a:schemeClr val="tx1"/>
                           </a:solidFill>
@@ -4405,14 +4291,14 @@
                     <a:p>
                       <a:pPr algn="l"/>
                       <a:r>
-                        <a:rPr lang="en-US" sz="600">
+                        <a:rPr lang="en-US" sz="800">
                           <a:latin typeface="Consolas" charset="0"/>
                           <a:ea typeface="Consolas" charset="0"/>
                           <a:cs typeface="Consolas" charset="0"/>
                         </a:rPr>
                         <a:t>nova-compute.log.2017-05-14_21:27:09 2017-05-14 19:39:22.589 2931 INFO nova.virt.libvirt.driver [-] [instance: 3edec1e4-9678-4a3a-a21b-a145a4ee5e61] Instance spawned successfully.</a:t>
                       </a:r>
-                      <a:endParaRPr lang="en-US" sz="600">
+                      <a:endParaRPr lang="en-US" sz="800">
                         <a:solidFill>
                           <a:schemeClr val="tx1"/>
                         </a:solidFill>
@@ -4460,7 +4346,7 @@
                     <a:p>
                       <a:pPr algn="ctr"/>
                       <a:r>
-                        <a:rPr lang="en-US" sz="600">
+                        <a:rPr lang="en-US" sz="800">
                           <a:solidFill>
                             <a:schemeClr val="tx1"/>
                           </a:solidFill>
@@ -4503,14 +4389,14 @@
                     <a:p>
                       <a:pPr algn="l"/>
                       <a:r>
-                        <a:rPr lang="en-US" sz="600">
+                        <a:rPr lang="en-US" sz="800">
                           <a:latin typeface="Consolas" charset="0"/>
                           <a:ea typeface="Consolas" charset="0"/>
                           <a:cs typeface="Consolas" charset="0"/>
                         </a:rPr>
                         <a:t>nova-compute.log.2017-05-14_21:27:09 2017-05-14 19:39:22.590 2931 INFO nova.compute.manager [req-e285b551-587f-4c1d-8eba-dceb2673637f 113d3a99c3da401fbd62cc2caa5b96d2 54fadb412c4e40cdbaed9335e4c35a9e - - -] [instance: 3edec1e4-9678-4a3a-a21b-a145a4ee5e61] Took 20.58 seconds to spawn the instance on the hypervisor.</a:t>
                       </a:r>
-                      <a:endParaRPr lang="en-US" sz="600">
+                      <a:endParaRPr lang="en-US" sz="800">
                         <a:solidFill>
                           <a:schemeClr val="tx1"/>
                         </a:solidFill>
@@ -4550,7 +4436,7 @@
                   </a:ext>
                 </a:extLst>
               </a:tr>
-              <a:tr h="263178">
+              <a:tr h="260743">
                 <a:tc>
                   <a:txBody>
                     <a:bodyPr/>
@@ -4558,7 +4444,7 @@
                     <a:p>
                       <a:pPr algn="ctr"/>
                       <a:r>
-                        <a:rPr lang="en-US" sz="600">
+                        <a:rPr lang="en-US" sz="800">
                           <a:solidFill>
                             <a:schemeClr val="tx1"/>
                           </a:solidFill>
@@ -4566,7 +4452,7 @@
                           <a:ea typeface="Consolas" charset="0"/>
                           <a:cs typeface="Consolas" charset="0"/>
                         </a:rPr>
-                        <a:t>5</a:t>
+                        <a:t>4</a:t>
                       </a:r>
                     </a:p>
                   </a:txBody>
@@ -4617,128 +4503,14 @@
                         <a:defRPr/>
                       </a:pPr>
                       <a:r>
-                        <a:rPr lang="en-US" sz="600">
-                          <a:latin typeface="Consolas" charset="0"/>
-                          <a:ea typeface="Consolas" charset="0"/>
-                          <a:cs typeface="Consolas" charset="0"/>
-                        </a:rPr>
-                        <a:t>nova-compute.log.2017-05-14_21:27:09 2017-05-14 19:39:22.727 2931 INFO nova.compute.manager [req-e285b551-587f-4c1d-8eba-dceb2673637f 113d3a99c3da401fbd62cc2caa5b96d2 54fadb412c4e40cdbaed9335e4c35a9e - - -] [instance: 3edec1e4-9678-4a3a-a21b-a145a4ee5e61] Took 21.38 seconds to build instance.</a:t>
-                      </a:r>
-                      <a:endParaRPr lang="en-US" sz="600">
-                        <a:solidFill>
-                          <a:schemeClr val="tx1"/>
-                        </a:solidFill>
-                        <a:latin typeface="Consolas" charset="0"/>
-                        <a:ea typeface="Consolas" charset="0"/>
-                        <a:cs typeface="Consolas" charset="0"/>
-                      </a:endParaRPr>
-                    </a:p>
-                  </a:txBody>
-                  <a:tcPr marL="51435" marR="51435" marT="25718" marB="25718" anchor="ctr">
-                    <a:lnL w="12700" cmpd="sng">
-                      <a:noFill/>
-                    </a:lnL>
-                    <a:lnR w="12700" cmpd="sng">
-                      <a:noFill/>
-                    </a:lnR>
-                    <a:lnT w="12700" cmpd="sng">
-                      <a:noFill/>
-                    </a:lnT>
-                    <a:lnB w="12700" cmpd="sng">
-                      <a:noFill/>
-                    </a:lnB>
-                    <a:lnTlToBr w="12700" cmpd="sng">
-                      <a:noFill/>
-                      <a:prstDash val="solid"/>
-                    </a:lnTlToBr>
-                    <a:lnBlToTr w="12700" cmpd="sng">
-                      <a:noFill/>
-                      <a:prstDash val="solid"/>
-                    </a:lnBlToTr>
-                    <a:noFill/>
-                  </a:tcPr>
-                </a:tc>
-                <a:extLst>
-                  <a:ext uri="{0D108BD9-81ED-4DB2-BD59-A6C34878D82A}">
-                    <a16:rowId xmlns:a16="http://schemas.microsoft.com/office/drawing/2014/main" val="10004"/>
-                  </a:ext>
-                </a:extLst>
-              </a:tr>
-              <a:tr h="260743">
-                <a:tc>
-                  <a:txBody>
-                    <a:bodyPr/>
-                    <a:lstStyle/>
-                    <a:p>
-                      <a:pPr algn="ctr"/>
-                      <a:r>
-                        <a:rPr lang="en-US" sz="600">
-                          <a:solidFill>
-                            <a:schemeClr val="tx1"/>
-                          </a:solidFill>
-                          <a:latin typeface="Consolas" charset="0"/>
-                          <a:ea typeface="Consolas" charset="0"/>
-                          <a:cs typeface="Consolas" charset="0"/>
-                        </a:rPr>
-                        <a:t>4</a:t>
-                      </a:r>
-                    </a:p>
-                  </a:txBody>
-                  <a:tcPr marL="51435" marR="51435" marT="25718" marB="25718" anchor="ctr">
-                    <a:lnL w="12700" cmpd="sng">
-                      <a:noFill/>
-                    </a:lnL>
-                    <a:lnR w="12700" cmpd="sng">
-                      <a:noFill/>
-                    </a:lnR>
-                    <a:lnT w="12700" cmpd="sng">
-                      <a:noFill/>
-                    </a:lnT>
-                    <a:lnB w="12700" cmpd="sng">
-                      <a:noFill/>
-                    </a:lnB>
-                    <a:lnTlToBr w="12700" cmpd="sng">
-                      <a:noFill/>
-                      <a:prstDash val="solid"/>
-                    </a:lnTlToBr>
-                    <a:lnBlToTr w="12700" cmpd="sng">
-                      <a:noFill/>
-                      <a:prstDash val="solid"/>
-                    </a:lnBlToTr>
-                    <a:noFill/>
-                  </a:tcPr>
-                </a:tc>
-                <a:tc>
-                  <a:txBody>
-                    <a:bodyPr/>
-                    <a:lstStyle/>
-                    <a:p>
-                      <a:pPr marL="0" marR="0" lvl="0" indent="0" algn="l" defTabSz="914400" rtl="0" eaLnBrk="1" fontAlgn="auto" latinLnBrk="0" hangingPunct="1">
-                        <a:lnSpc>
-                          <a:spcPct val="100000"/>
-                        </a:lnSpc>
-                        <a:spcBef>
-                          <a:spcPts val="0"/>
-                        </a:spcBef>
-                        <a:spcAft>
-                          <a:spcPts val="0"/>
-                        </a:spcAft>
-                        <a:buClrTx/>
-                        <a:buSzTx/>
-                        <a:buFontTx/>
-                        <a:buNone/>
-                        <a:tabLst/>
-                        <a:defRPr/>
-                      </a:pPr>
-                      <a:r>
-                        <a:rPr lang="en-US" sz="600">
+                        <a:rPr lang="en-US" sz="800">
                           <a:latin typeface="Consolas" charset="0"/>
                           <a:ea typeface="Consolas" charset="0"/>
                           <a:cs typeface="Consolas" charset="0"/>
                         </a:rPr>
                         <a:t>nova-compute.log.2017-05-14_21:27:09 2017-05-14 19:39:22.754 2931 INFO nova.compute.manager [-] [instance: 3edec1e4-9678-4a3a-a21b-a145a4ee5e61] During sync_power_state the instance has a pending task (spawning). Skip.</a:t>
                       </a:r>
-                      <a:endParaRPr lang="en-US" sz="600">
+                      <a:endParaRPr lang="en-US" sz="800">
                         <a:solidFill>
                           <a:schemeClr val="tx1"/>
                         </a:solidFill>
@@ -4786,7 +4558,7 @@
                     <a:p>
                       <a:pPr algn="ctr"/>
                       <a:r>
-                        <a:rPr lang="en-US" sz="600">
+                        <a:rPr lang="en-US" sz="800">
                           <a:solidFill>
                             <a:schemeClr val="tx1"/>
                           </a:solidFill>
@@ -4829,14 +4601,14 @@
                     <a:p>
                       <a:pPr algn="l"/>
                       <a:r>
-                        <a:rPr lang="en-US" sz="600">
+                        <a:rPr lang="en-US" sz="800">
                           <a:latin typeface="Consolas" charset="0"/>
                           <a:ea typeface="Consolas" charset="0"/>
                           <a:cs typeface="Consolas" charset="0"/>
                         </a:rPr>
                         <a:t>nova-compute.log.2017-05-14_21:27:09 2017-05-14 19:39:44.956 2931 INFO nova.compute.manager [-] [instance: 3edec1e4-9678-4a3a-a21b-a145a4ee5e61] VM Stopped (Lifecycle Event)</a:t>
                       </a:r>
-                      <a:endParaRPr lang="en-US" sz="600">
+                      <a:endParaRPr lang="en-US" sz="800">
                         <a:solidFill>
                           <a:schemeClr val="tx1"/>
                         </a:solidFill>
@@ -4895,7 +4667,7 @@
         <p:spPr>
           <a:xfrm>
             <a:off x="129729" y="3221939"/>
-            <a:ext cx="6562598" cy="215444"/>
+            <a:ext cx="6562598" cy="246221"/>
           </a:xfrm>
           <a:prstGeom prst="rect">
             <a:avLst/>
@@ -4910,7 +4682,7 @@
           <a:p>
             <a:pPr algn="ctr"/>
             <a:r>
-              <a:rPr lang="en-US" sz="800">
+              <a:rPr lang="en-US" sz="1000">
                 <a:latin typeface="Consolas" charset="0"/>
                 <a:ea typeface="Consolas" charset="0"/>
                 <a:cs typeface="Consolas" charset="0"/>
@@ -4929,14 +4701,14 @@
           <p:nvPr>
             <p:extLst>
               <p:ext uri="{D42A27DB-BD31-4B8C-83A1-F6EECF244321}">
-                <p14:modId xmlns:p14="http://schemas.microsoft.com/office/powerpoint/2010/main" val="1084854563"/>
+                <p14:modId xmlns:p14="http://schemas.microsoft.com/office/powerpoint/2010/main" val="4051661643"/>
               </p:ext>
             </p:extLst>
           </p:nvPr>
         </p:nvGraphicFramePr>
         <p:xfrm>
-          <a:off x="129732" y="334553"/>
-          <a:ext cx="6478060" cy="2520415"/>
+          <a:off x="129732" y="247468"/>
+          <a:ext cx="6478060" cy="2798452"/>
         </p:xfrm>
         <a:graphic>
           <a:graphicData uri="http://schemas.openxmlformats.org/drawingml/2006/table">
@@ -4968,7 +4740,7 @@
                     <a:p>
                       <a:pPr algn="ctr"/>
                       <a:r>
-                        <a:rPr lang="en-US" sz="600" b="0">
+                        <a:rPr lang="en-US" sz="800" b="0">
                           <a:solidFill>
                             <a:schemeClr val="tx1"/>
                           </a:solidFill>
@@ -5011,7 +4783,7 @@
                     <a:p>
                       <a:pPr algn="l"/>
                       <a:r>
-                        <a:rPr lang="mr-IN" sz="600" b="0">
+                        <a:rPr lang="mr-IN" sz="800" b="0">
                           <a:solidFill>
                             <a:schemeClr val="tx1"/>
                           </a:solidFill>
@@ -5022,7 +4794,7 @@
                         <a:t>nova-compute.log.2017-05-14_21:27:09 2017-05-14 19:39:22.577 2931 INFO nova.compute.manager [req-3ea4052c-895d-4b64-9e2d-04d64c4d94ab - - - - -] [</a:t>
                       </a:r>
                       <a:r>
-                        <a:rPr lang="en-US" sz="600" b="0">
+                        <a:rPr lang="en-US" sz="800" b="0">
                           <a:solidFill>
                             <a:schemeClr val="tx1"/>
                           </a:solidFill>
@@ -5036,7 +4808,7 @@
                         <a:t>instance: 3edec1e4-9678-4a3a-a21b-a145a4ee5e61</a:t>
                       </a:r>
                       <a:r>
-                        <a:rPr lang="mr-IN" sz="600" b="0">
+                        <a:rPr lang="mr-IN" sz="800" b="0">
                           <a:solidFill>
                             <a:schemeClr val="tx1"/>
                           </a:solidFill>
@@ -5046,7 +4818,7 @@
                         </a:rPr>
                         <a:t>] VM Resumed (Lifecycle Event)</a:t>
                       </a:r>
-                      <a:endParaRPr lang="en-US" sz="600" b="0">
+                      <a:endParaRPr lang="en-US" sz="800" b="0">
                         <a:solidFill>
                           <a:schemeClr val="tx1"/>
                         </a:solidFill>
@@ -5094,7 +4866,7 @@
                     <a:p>
                       <a:pPr algn="ctr"/>
                       <a:r>
-                        <a:rPr lang="en-US" sz="600">
+                        <a:rPr lang="en-US" sz="800">
                           <a:solidFill>
                             <a:schemeClr val="tx1"/>
                           </a:solidFill>
@@ -5137,7 +4909,7 @@
                     <a:p>
                       <a:pPr algn="l"/>
                       <a:r>
-                        <a:rPr lang="en-US" sz="600">
+                        <a:rPr lang="en-US" sz="800">
                           <a:latin typeface="Consolas" charset="0"/>
                           <a:ea typeface="Consolas" charset="0"/>
                           <a:cs typeface="Consolas" charset="0"/>
@@ -5145,7 +4917,7 @@
                         <a:t>nova-compute.log.2017-05-14_21:27:09 2017-05-14 19:39:22.589 2931 INFO nova.virt.libvirt.driver [-] [</a:t>
                       </a:r>
                       <a:r>
-                        <a:rPr lang="en-US" sz="600">
+                        <a:rPr lang="en-US" sz="800">
                           <a:highlight>
                             <a:srgbClr val="FFFF00"/>
                           </a:highlight>
@@ -5156,14 +4928,14 @@
                         <a:t>instance: 3edec1e4-9678-4a3a-a21b-a145a4ee5e61</a:t>
                       </a:r>
                       <a:r>
-                        <a:rPr lang="en-US" sz="600">
+                        <a:rPr lang="en-US" sz="800">
                           <a:latin typeface="Consolas" charset="0"/>
                           <a:ea typeface="Consolas" charset="0"/>
                           <a:cs typeface="Consolas" charset="0"/>
                         </a:rPr>
                         <a:t>] Instance spawned successfully.</a:t>
                       </a:r>
-                      <a:endParaRPr lang="en-US" sz="600">
+                      <a:endParaRPr lang="en-US" sz="800">
                         <a:solidFill>
                           <a:schemeClr val="tx1"/>
                         </a:solidFill>
@@ -5211,7 +4983,7 @@
                     <a:p>
                       <a:pPr algn="ctr"/>
                       <a:r>
-                        <a:rPr lang="en-US" sz="600">
+                        <a:rPr lang="en-US" sz="800">
                           <a:solidFill>
                             <a:schemeClr val="tx1"/>
                           </a:solidFill>
@@ -5254,7 +5026,7 @@
                     <a:p>
                       <a:pPr algn="l"/>
                       <a:r>
-                        <a:rPr lang="en-US" sz="600">
+                        <a:rPr lang="en-US" sz="800">
                           <a:latin typeface="Consolas" charset="0"/>
                           <a:ea typeface="Consolas" charset="0"/>
                           <a:cs typeface="Consolas" charset="0"/>
@@ -5262,7 +5034,7 @@
                         <a:t>nova-compute.log.2017-05-14_21:27:09 2017-05-14 19:39:22.590 2931 INFO nova.compute.manager [req-e285b551-587f-4c1d-8eba-dceb2673637f 113d3a99c3da401fbd62cc2caa5b96d2 54fadb412c4e40cdbaed9335e4c35a9e - - -] [</a:t>
                       </a:r>
                       <a:r>
-                        <a:rPr lang="en-US" sz="600">
+                        <a:rPr lang="en-US" sz="800">
                           <a:highlight>
                             <a:srgbClr val="FFFF00"/>
                           </a:highlight>
@@ -5273,14 +5045,14 @@
                         <a:t>instance: 3edec1e4-9678-4a3a-a21b-a145a4ee5e61</a:t>
                       </a:r>
                       <a:r>
-                        <a:rPr lang="en-US" sz="600">
+                        <a:rPr lang="en-US" sz="800">
                           <a:latin typeface="Consolas" charset="0"/>
                           <a:ea typeface="Consolas" charset="0"/>
                           <a:cs typeface="Consolas" charset="0"/>
                         </a:rPr>
                         <a:t>] Took 20.58 seconds to spawn the instance on the hypervisor.</a:t>
                       </a:r>
-                      <a:endParaRPr lang="en-US" sz="600">
+                      <a:endParaRPr lang="en-US" sz="800">
                         <a:solidFill>
                           <a:schemeClr val="tx1"/>
                         </a:solidFill>
@@ -5328,7 +5100,7 @@
                     <a:p>
                       <a:pPr algn="ctr"/>
                       <a:r>
-                        <a:rPr lang="en-US" sz="600">
+                        <a:rPr lang="en-US" sz="800">
                           <a:solidFill>
                             <a:schemeClr val="tx1"/>
                           </a:solidFill>
@@ -5370,7 +5142,7 @@
                     <a:lstStyle/>
                     <a:p>
                       <a:r>
-                        <a:rPr lang="en-US" sz="600">
+                        <a:rPr lang="en-US" sz="800">
                           <a:latin typeface="Consolas" charset="0"/>
                           <a:ea typeface="Consolas" charset="0"/>
                           <a:cs typeface="Consolas" charset="0"/>
@@ -5378,7 +5150,7 @@
                         <a:t>nova-compute.log.2017-05-14_21:27:09 2017-05-14 19:39:22.754 2931 INFO nova.compute.manager [-] [</a:t>
                       </a:r>
                       <a:r>
-                        <a:rPr lang="en-US" sz="600">
+                        <a:rPr lang="en-US" sz="800">
                           <a:highlight>
                             <a:srgbClr val="FFFF00"/>
                           </a:highlight>
@@ -5389,14 +5161,14 @@
                         <a:t>instance: 3edec1e4-9678-4a3a-a21b-a145a4ee5e61</a:t>
                       </a:r>
                       <a:r>
-                        <a:rPr lang="en-US" sz="600">
+                        <a:rPr lang="en-US" sz="800">
                           <a:latin typeface="Consolas" charset="0"/>
                           <a:ea typeface="Consolas" charset="0"/>
                           <a:cs typeface="Consolas" charset="0"/>
                         </a:rPr>
                         <a:t>] During sync_power_state the instance has a pending task (spawning). Skip.</a:t>
                       </a:r>
-                      <a:endParaRPr lang="en-US" sz="600">
+                      <a:endParaRPr lang="en-US" sz="800">
                         <a:solidFill>
                           <a:schemeClr val="tx1"/>
                         </a:solidFill>
@@ -5444,238 +5216,7 @@
                     <a:p>
                       <a:pPr algn="ctr"/>
                       <a:r>
-                        <a:rPr lang="en-US" sz="600">
-                          <a:solidFill>
-                            <a:schemeClr val="tx1"/>
-                          </a:solidFill>
-                          <a:latin typeface="Consolas" charset="0"/>
-                          <a:ea typeface="Consolas" charset="0"/>
-                          <a:cs typeface="Consolas" charset="0"/>
-                        </a:rPr>
-                        <a:t>5</a:t>
-                      </a:r>
-                    </a:p>
-                  </a:txBody>
-                  <a:tcPr marL="51435" marR="51435" marT="25718" marB="25718" anchor="ctr">
-                    <a:lnL w="12700" cmpd="sng">
-                      <a:noFill/>
-                    </a:lnL>
-                    <a:lnR w="12700" cmpd="sng">
-                      <a:noFill/>
-                    </a:lnR>
-                    <a:lnT w="12700" cmpd="sng">
-                      <a:noFill/>
-                    </a:lnT>
-                    <a:lnB w="12700" cmpd="sng">
-                      <a:noFill/>
-                    </a:lnB>
-                    <a:lnTlToBr w="12700" cmpd="sng">
-                      <a:noFill/>
-                      <a:prstDash val="solid"/>
-                    </a:lnTlToBr>
-                    <a:lnBlToTr w="12700" cmpd="sng">
-                      <a:noFill/>
-                      <a:prstDash val="solid"/>
-                    </a:lnBlToTr>
-                    <a:noFill/>
-                  </a:tcPr>
-                </a:tc>
-                <a:tc>
-                  <a:txBody>
-                    <a:bodyPr/>
-                    <a:lstStyle/>
-                    <a:p>
-                      <a:pPr marL="0" marR="0" indent="0" algn="l" defTabSz="914400" rtl="0" eaLnBrk="1" fontAlgn="auto" latinLnBrk="0" hangingPunct="1">
-                        <a:lnSpc>
-                          <a:spcPct val="100000"/>
-                        </a:lnSpc>
-                        <a:spcBef>
-                          <a:spcPts val="0"/>
-                        </a:spcBef>
-                        <a:spcAft>
-                          <a:spcPts val="0"/>
-                        </a:spcAft>
-                        <a:buClrTx/>
-                        <a:buSzTx/>
-                        <a:buFontTx/>
-                        <a:buNone/>
-                        <a:tabLst/>
-                        <a:defRPr/>
-                      </a:pPr>
-                      <a:r>
-                        <a:rPr lang="en-US" sz="600">
-                          <a:latin typeface="Consolas" charset="0"/>
-                          <a:ea typeface="Consolas" charset="0"/>
-                          <a:cs typeface="Consolas" charset="0"/>
-                        </a:rPr>
-                        <a:t>nova-compute.log.2017-05-14_21:27:09 2017-05-14 19:39:22.727 2931 INFO nova.compute.manager [req-e285b551-587f-4c1d-8eba-dceb2673637f 113d3a99c3da401fbd62cc2caa5b96d2 54fadb412c4e40cdbaed9335e4c35a9e - - -] [</a:t>
-                      </a:r>
-                      <a:r>
-                        <a:rPr lang="en-US" sz="600">
-                          <a:highlight>
-                            <a:srgbClr val="FFFF00"/>
-                          </a:highlight>
-                          <a:latin typeface="Consolas" charset="0"/>
-                          <a:ea typeface="Consolas" charset="0"/>
-                          <a:cs typeface="Consolas" charset="0"/>
-                        </a:rPr>
-                        <a:t>instance: 3edec1e4-9678-4a3a-a21b-a145a4ee5e61</a:t>
-                      </a:r>
-                      <a:r>
-                        <a:rPr lang="en-US" sz="600">
-                          <a:latin typeface="Consolas" charset="0"/>
-                          <a:ea typeface="Consolas" charset="0"/>
-                          <a:cs typeface="Consolas" charset="0"/>
-                        </a:rPr>
-                        <a:t>] Took 21.38 seconds to build instance.</a:t>
-                      </a:r>
-                      <a:endParaRPr lang="en-US" sz="600">
-                        <a:solidFill>
-                          <a:schemeClr val="tx1"/>
-                        </a:solidFill>
-                        <a:latin typeface="Consolas" charset="0"/>
-                        <a:ea typeface="Consolas" charset="0"/>
-                        <a:cs typeface="Consolas" charset="0"/>
-                      </a:endParaRPr>
-                    </a:p>
-                  </a:txBody>
-                  <a:tcPr marL="51435" marR="51435" marT="25718" marB="25718" anchor="ctr">
-                    <a:lnL w="12700" cmpd="sng">
-                      <a:noFill/>
-                    </a:lnL>
-                    <a:lnR w="12700" cmpd="sng">
-                      <a:noFill/>
-                    </a:lnR>
-                    <a:lnT w="12700" cmpd="sng">
-                      <a:noFill/>
-                    </a:lnT>
-                    <a:lnB w="12700" cmpd="sng">
-                      <a:noFill/>
-                    </a:lnB>
-                    <a:lnTlToBr w="12700" cmpd="sng">
-                      <a:noFill/>
-                      <a:prstDash val="solid"/>
-                    </a:lnTlToBr>
-                    <a:lnBlToTr w="12700" cmpd="sng">
-                      <a:noFill/>
-                      <a:prstDash val="solid"/>
-                    </a:lnBlToTr>
-                    <a:noFill/>
-                  </a:tcPr>
-                </a:tc>
-                <a:extLst>
-                  <a:ext uri="{0D108BD9-81ED-4DB2-BD59-A6C34878D82A}">
-                    <a16:rowId xmlns:a16="http://schemas.microsoft.com/office/drawing/2014/main" val="10005"/>
-                  </a:ext>
-                </a:extLst>
-              </a:tr>
-              <a:tr h="311846">
-                <a:tc>
-                  <a:txBody>
-                    <a:bodyPr/>
-                    <a:lstStyle/>
-                    <a:p>
-                      <a:pPr algn="ctr"/>
-                      <a:r>
-                        <a:rPr lang="en-US" sz="600">
-                          <a:solidFill>
-                            <a:schemeClr val="tx1"/>
-                          </a:solidFill>
-                          <a:latin typeface="Consolas" charset="0"/>
-                          <a:ea typeface="Consolas" charset="0"/>
-                          <a:cs typeface="Consolas" charset="0"/>
-                        </a:rPr>
-                        <a:t>6</a:t>
-                      </a:r>
-                    </a:p>
-                  </a:txBody>
-                  <a:tcPr marL="51435" marR="51435" marT="25718" marB="25718" anchor="ctr">
-                    <a:lnL w="12700" cmpd="sng">
-                      <a:noFill/>
-                    </a:lnL>
-                    <a:lnR w="12700" cmpd="sng">
-                      <a:noFill/>
-                    </a:lnR>
-                    <a:lnT w="12700" cmpd="sng">
-                      <a:noFill/>
-                    </a:lnT>
-                    <a:lnB w="12700" cmpd="sng">
-                      <a:noFill/>
-                    </a:lnB>
-                    <a:lnTlToBr w="12700" cmpd="sng">
-                      <a:noFill/>
-                      <a:prstDash val="solid"/>
-                    </a:lnTlToBr>
-                    <a:lnBlToTr w="12700" cmpd="sng">
-                      <a:noFill/>
-                      <a:prstDash val="solid"/>
-                    </a:lnBlToTr>
-                    <a:noFill/>
-                  </a:tcPr>
-                </a:tc>
-                <a:tc>
-                  <a:txBody>
-                    <a:bodyPr/>
-                    <a:lstStyle/>
-                    <a:p>
-                      <a:pPr algn="l"/>
-                      <a:r>
-                        <a:rPr lang="en-US" sz="600">
-                          <a:latin typeface="Consolas" charset="0"/>
-                          <a:ea typeface="Consolas" charset="0"/>
-                          <a:cs typeface="Consolas" charset="0"/>
-                        </a:rPr>
-                        <a:t>nova-api.log.2017-05-14_21:27:04 2017-05-14 19:39:23.162 25746 INFO nova.osapi_compute.wsgi.server [req-0515facd-3b32-465d-a2dc-0c2c09e6d3b9 113d3a99c3da401fbd62cc2caa5b96d2 54fadb412c4e40cdbaed9335e4c35a9e - - -] 10.11.10.1 "GET /v2/54fadb412c4e40cdbaed9335e4c35a9e/servers/detail HTTP/1.1" status: 200 len: 1910 time: 0.2813671</a:t>
-                      </a:r>
-                      <a:endParaRPr lang="en-US" sz="600">
-                        <a:solidFill>
-                          <a:schemeClr val="tx1"/>
-                        </a:solidFill>
-                        <a:latin typeface="Consolas" charset="0"/>
-                        <a:ea typeface="Consolas" charset="0"/>
-                        <a:cs typeface="Consolas" charset="0"/>
-                      </a:endParaRPr>
-                    </a:p>
-                  </a:txBody>
-                  <a:tcPr marL="51435" marR="51435" marT="25718" marB="25718" anchor="ctr">
-                    <a:lnL w="12700" cmpd="sng">
-                      <a:noFill/>
-                    </a:lnL>
-                    <a:lnR w="12700" cmpd="sng">
-                      <a:noFill/>
-                    </a:lnR>
-                    <a:lnT w="12700" cmpd="sng">
-                      <a:noFill/>
-                    </a:lnT>
-                    <a:lnB w="12700" cmpd="sng">
-                      <a:noFill/>
-                    </a:lnB>
-                    <a:lnTlToBr w="12700" cmpd="sng">
-                      <a:noFill/>
-                      <a:prstDash val="solid"/>
-                    </a:lnTlToBr>
-                    <a:lnBlToTr w="12700" cmpd="sng">
-                      <a:noFill/>
-                      <a:prstDash val="solid"/>
-                    </a:lnBlToTr>
-                    <a:noFill/>
-                  </a:tcPr>
-                </a:tc>
-                <a:extLst>
-                  <a:ext uri="{0D108BD9-81ED-4DB2-BD59-A6C34878D82A}">
-                    <a16:rowId xmlns:a16="http://schemas.microsoft.com/office/drawing/2014/main" val="10006"/>
-                  </a:ext>
-                </a:extLst>
-              </a:tr>
-              <a:tr h="311846">
-                <a:tc>
-                  <a:txBody>
-                    <a:bodyPr/>
-                    <a:lstStyle/>
-                    <a:p>
-                      <a:pPr algn="ctr"/>
-                      <a:r>
-                        <a:rPr lang="en-US" sz="600">
+                        <a:rPr lang="en-US" sz="800">
                           <a:solidFill>
                             <a:schemeClr val="tx1"/>
                           </a:solidFill>
@@ -5718,14 +5259,14 @@
                     <a:p>
                       <a:pPr algn="l"/>
                       <a:r>
-                        <a:rPr lang="en-US" sz="600">
+                        <a:rPr lang="en-US" sz="800">
                           <a:latin typeface="Consolas" charset="0"/>
                           <a:ea typeface="Consolas" charset="0"/>
                           <a:cs typeface="Consolas" charset="0"/>
                         </a:rPr>
                         <a:t>nova-api.log.2017-05-14_21:27:04 2017-05-14 19:39:23.451 25746 INFO nova.osapi_compute.wsgi.server [req-84bfaa8b-23a4-4dc5-9b73-e7a9bf525745 113d3a99c3da401fbd62cc2caa5b96d2 54fadb412c4e40cdbaed9335e4c35a9e - - -] 10.11.10.1 "GET /v2/54fadb412c4e40cdbaed9335e4c35a9e/servers/detail HTTP/1.1" status: 200 len: 1910 time: 0.2846580</a:t>
                       </a:r>
-                      <a:endParaRPr lang="en-US" sz="600">
+                      <a:endParaRPr lang="en-US" sz="800">
                         <a:solidFill>
                           <a:schemeClr val="tx1"/>
                         </a:solidFill>
@@ -5773,7 +5314,7 @@
                     <a:p>
                       <a:pPr algn="ctr"/>
                       <a:r>
-                        <a:rPr lang="en-US" sz="600">
+                        <a:rPr lang="en-US" sz="800">
                           <a:solidFill>
                             <a:schemeClr val="tx1"/>
                           </a:solidFill>
@@ -5816,14 +5357,14 @@
                     <a:p>
                       <a:pPr algn="l"/>
                       <a:r>
-                        <a:rPr lang="pt-BR" sz="600">
+                        <a:rPr lang="pt-BR" sz="800">
                           <a:latin typeface="Consolas" charset="0"/>
                           <a:ea typeface="Consolas" charset="0"/>
                           <a:cs typeface="Consolas" charset="0"/>
                         </a:rPr>
                         <a:t>nova-compute.log.2017-05-14_21:27:09 2017-05-14 19:39:25.671 2931 INFO nova.virt.libvirt.imagecache [req-addc1839-2ed5-4778-b57e-5854eb7b8b09 - - - - -] image 0673dd71-34c5-4fbb-86c4-40623fbe45b4 at (/var/lib/nova/instances/_base/a489c868f0c37da93b76227c91bb03908ac0e742): checking</a:t>
                       </a:r>
-                      <a:endParaRPr lang="en-US" sz="600">
+                      <a:endParaRPr lang="en-US" sz="800">
                         <a:solidFill>
                           <a:schemeClr val="tx1"/>
                         </a:solidFill>
@@ -5871,7 +5412,7 @@
                     <a:p>
                       <a:pPr algn="ctr"/>
                       <a:r>
-                        <a:rPr lang="en-US" sz="600">
+                        <a:rPr lang="en-US" sz="800">
                           <a:solidFill>
                             <a:schemeClr val="tx1"/>
                           </a:solidFill>
@@ -5914,7 +5455,7 @@
                     <a:p>
                       <a:pPr algn="l"/>
                       <a:r>
-                        <a:rPr lang="en-US" sz="600">
+                        <a:rPr lang="en-US" sz="800">
                           <a:latin typeface="Consolas" charset="0"/>
                           <a:ea typeface="Consolas" charset="0"/>
                           <a:cs typeface="Consolas" charset="0"/>
@@ -5922,7 +5463,7 @@
                         <a:t>nova-compute.log.2017-05-14_21:27:09 2017-05-14 19:39:44.956 2931 INFO nova.compute.manager [-] [</a:t>
                       </a:r>
                       <a:r>
-                        <a:rPr lang="en-US" sz="600">
+                        <a:rPr lang="en-US" sz="800">
                           <a:highlight>
                             <a:srgbClr val="FFFF00"/>
                           </a:highlight>
@@ -5933,14 +5474,14 @@
                         <a:t>instance: 3edec1e4-9678-4a3a-a21b-a145a4ee5e61</a:t>
                       </a:r>
                       <a:r>
-                        <a:rPr lang="en-US" sz="600">
+                        <a:rPr lang="en-US" sz="800">
                           <a:latin typeface="Consolas" charset="0"/>
                           <a:ea typeface="Consolas" charset="0"/>
                           <a:cs typeface="Consolas" charset="0"/>
                         </a:rPr>
                         <a:t>] VM Stopped (Lifecycle Event)</a:t>
                       </a:r>
-                      <a:endParaRPr lang="en-US" sz="600">
+                      <a:endParaRPr lang="en-US" sz="800">
                         <a:solidFill>
                           <a:schemeClr val="tx1"/>
                         </a:solidFill>
@@ -5992,8 +5533,8 @@
         </p:nvSpPr>
         <p:spPr>
           <a:xfrm>
-            <a:off x="129733" y="129944"/>
-            <a:ext cx="6558729" cy="2800740"/>
+            <a:off x="129733" y="42858"/>
+            <a:ext cx="6558729" cy="3002087"/>
           </a:xfrm>
           <a:prstGeom prst="rect">
             <a:avLst/>
@@ -6038,8 +5579,8 @@
         </p:nvSpPr>
         <p:spPr>
           <a:xfrm>
-            <a:off x="440651" y="334553"/>
-            <a:ext cx="6247813" cy="2596131"/>
+            <a:off x="440651" y="247468"/>
+            <a:ext cx="6247813" cy="2797478"/>
           </a:xfrm>
           <a:prstGeom prst="rect">
             <a:avLst/>
@@ -6102,7 +5643,7 @@
         <p:spPr>
           <a:xfrm>
             <a:off x="129735" y="3217183"/>
-            <a:ext cx="6562602" cy="1888694"/>
+            <a:ext cx="6562602" cy="2110028"/>
           </a:xfrm>
           <a:prstGeom prst="rect">
             <a:avLst/>
@@ -6153,8 +5694,8 @@
         </p:nvSpPr>
         <p:spPr>
           <a:xfrm>
-            <a:off x="437447" y="3429018"/>
-            <a:ext cx="6254884" cy="1676860"/>
+            <a:off x="437447" y="3429017"/>
+            <a:ext cx="6254884" cy="1898193"/>
           </a:xfrm>
           <a:prstGeom prst="rect">
             <a:avLst/>
@@ -6260,14 +5801,14 @@
           <p:nvPr>
             <p:extLst>
               <p:ext uri="{D42A27DB-BD31-4B8C-83A1-F6EECF244321}">
-                <p14:modId xmlns:p14="http://schemas.microsoft.com/office/powerpoint/2010/main" val="517561819"/>
+                <p14:modId xmlns:p14="http://schemas.microsoft.com/office/powerpoint/2010/main" val="2608137513"/>
               </p:ext>
             </p:extLst>
           </p:nvPr>
         </p:nvGraphicFramePr>
         <p:xfrm>
-          <a:off x="177462" y="5696498"/>
-          <a:ext cx="2920814" cy="1024611"/>
+          <a:off x="177462" y="5794468"/>
+          <a:ext cx="2920814" cy="1110620"/>
         </p:xfrm>
         <a:graphic>
           <a:graphicData uri="http://schemas.openxmlformats.org/drawingml/2006/table">
@@ -6299,7 +5840,7 @@
                     <a:p>
                       <a:pPr algn="ctr"/>
                       <a:r>
-                        <a:rPr lang="en-US" sz="600" b="0">
+                        <a:rPr lang="en-US" sz="800" b="0">
                           <a:solidFill>
                             <a:schemeClr val="tx1"/>
                           </a:solidFill>
@@ -6342,7 +5883,7 @@
                     <a:p>
                       <a:pPr algn="l"/>
                       <a:r>
-                        <a:rPr lang="de-DE" sz="600" b="0">
+                        <a:rPr lang="de-DE" sz="800" b="0">
                           <a:solidFill>
                             <a:schemeClr val="tx1"/>
                           </a:solidFill>
@@ -6352,7 +5893,7 @@
                         </a:rPr>
                         <a:t>VM Lifecycle Event</a:t>
                       </a:r>
-                      <a:endParaRPr lang="en-US" sz="600" b="0">
+                      <a:endParaRPr lang="en-US" sz="800" b="0">
                         <a:solidFill>
                           <a:schemeClr val="tx1"/>
                         </a:solidFill>
@@ -6400,7 +5941,7 @@
                     <a:p>
                       <a:pPr algn="ctr"/>
                       <a:r>
-                        <a:rPr lang="en-US" sz="600">
+                        <a:rPr lang="en-US" sz="800">
                           <a:solidFill>
                             <a:schemeClr val="tx1"/>
                           </a:solidFill>
@@ -6443,14 +5984,14 @@
                     <a:p>
                       <a:pPr algn="l"/>
                       <a:r>
-                        <a:rPr lang="en-US" sz="600">
+                        <a:rPr lang="en-US" sz="800">
                           <a:latin typeface="Consolas" charset="0"/>
                           <a:ea typeface="Consolas" charset="0"/>
                           <a:cs typeface="Consolas" charset="0"/>
                         </a:rPr>
                         <a:t>Instance successfully</a:t>
                       </a:r>
-                      <a:endParaRPr lang="en-US" sz="600">
+                      <a:endParaRPr lang="en-US" sz="800">
                         <a:solidFill>
                           <a:schemeClr val="tx1"/>
                         </a:solidFill>
@@ -6498,7 +6039,7 @@
                     <a:p>
                       <a:pPr algn="ctr"/>
                       <a:r>
-                        <a:rPr lang="en-US" sz="600">
+                        <a:rPr lang="en-US" sz="800">
                           <a:solidFill>
                             <a:schemeClr val="tx1"/>
                           </a:solidFill>
@@ -6541,14 +6082,14 @@
                     <a:p>
                       <a:pPr algn="l"/>
                       <a:r>
-                        <a:rPr lang="en-US" sz="600">
+                        <a:rPr lang="en-US" sz="800">
                           <a:latin typeface="Consolas" charset="0"/>
                           <a:ea typeface="Consolas" charset="0"/>
                           <a:cs typeface="Consolas" charset="0"/>
                         </a:rPr>
                         <a:t>Took seconds to the instance on the hypervisor</a:t>
                       </a:r>
-                      <a:endParaRPr lang="en-US" sz="600">
+                      <a:endParaRPr lang="en-US" sz="800">
                         <a:solidFill>
                           <a:schemeClr val="tx1"/>
                         </a:solidFill>
@@ -6588,7 +6129,7 @@
                   </a:ext>
                 </a:extLst>
               </a:tr>
-              <a:tr h="158059">
+              <a:tr h="224550">
                 <a:tc>
                   <a:txBody>
                     <a:bodyPr/>
@@ -6596,7 +6137,7 @@
                     <a:p>
                       <a:pPr algn="ctr"/>
                       <a:r>
-                        <a:rPr lang="en-US" sz="600">
+                        <a:rPr lang="en-US" sz="800">
                           <a:solidFill>
                             <a:schemeClr val="tx1"/>
                           </a:solidFill>
@@ -6604,7 +6145,7 @@
                           <a:ea typeface="Consolas" charset="0"/>
                           <a:cs typeface="Consolas" charset="0"/>
                         </a:rPr>
-                        <a:t>5</a:t>
+                        <a:t>4</a:t>
                       </a:r>
                     </a:p>
                   </a:txBody>
@@ -6655,128 +6196,14 @@
                         <a:defRPr/>
                       </a:pPr>
                       <a:r>
-                        <a:rPr lang="en-US" sz="600">
-                          <a:latin typeface="Consolas" charset="0"/>
-                          <a:ea typeface="Consolas" charset="0"/>
-                          <a:cs typeface="Consolas" charset="0"/>
-                        </a:rPr>
-                        <a:t>Took seconds to build instance</a:t>
-                      </a:r>
-                      <a:endParaRPr lang="en-US" sz="600">
-                        <a:solidFill>
-                          <a:schemeClr val="tx1"/>
-                        </a:solidFill>
-                        <a:latin typeface="Consolas" charset="0"/>
-                        <a:ea typeface="Consolas" charset="0"/>
-                        <a:cs typeface="Consolas" charset="0"/>
-                      </a:endParaRPr>
-                    </a:p>
-                  </a:txBody>
-                  <a:tcPr marL="51435" marR="51435" marT="25718" marB="25718" anchor="ctr">
-                    <a:lnL w="12700" cmpd="sng">
-                      <a:noFill/>
-                    </a:lnL>
-                    <a:lnR w="12700" cmpd="sng">
-                      <a:noFill/>
-                    </a:lnR>
-                    <a:lnT w="12700" cmpd="sng">
-                      <a:noFill/>
-                    </a:lnT>
-                    <a:lnB w="12700" cmpd="sng">
-                      <a:noFill/>
-                    </a:lnB>
-                    <a:lnTlToBr w="12700" cmpd="sng">
-                      <a:noFill/>
-                      <a:prstDash val="solid"/>
-                    </a:lnTlToBr>
-                    <a:lnBlToTr w="12700" cmpd="sng">
-                      <a:noFill/>
-                      <a:prstDash val="solid"/>
-                    </a:lnBlToTr>
-                    <a:noFill/>
-                  </a:tcPr>
-                </a:tc>
-                <a:extLst>
-                  <a:ext uri="{0D108BD9-81ED-4DB2-BD59-A6C34878D82A}">
-                    <a16:rowId xmlns:a16="http://schemas.microsoft.com/office/drawing/2014/main" val="10004"/>
-                  </a:ext>
-                </a:extLst>
-              </a:tr>
-              <a:tr h="224550">
-                <a:tc>
-                  <a:txBody>
-                    <a:bodyPr/>
-                    <a:lstStyle/>
-                    <a:p>
-                      <a:pPr algn="ctr"/>
-                      <a:r>
-                        <a:rPr lang="en-US" sz="600">
-                          <a:solidFill>
-                            <a:schemeClr val="tx1"/>
-                          </a:solidFill>
-                          <a:latin typeface="Consolas" charset="0"/>
-                          <a:ea typeface="Consolas" charset="0"/>
-                          <a:cs typeface="Consolas" charset="0"/>
-                        </a:rPr>
-                        <a:t>4</a:t>
-                      </a:r>
-                    </a:p>
-                  </a:txBody>
-                  <a:tcPr marL="51435" marR="51435" marT="25718" marB="25718" anchor="ctr">
-                    <a:lnL w="12700" cmpd="sng">
-                      <a:noFill/>
-                    </a:lnL>
-                    <a:lnR w="12700" cmpd="sng">
-                      <a:noFill/>
-                    </a:lnR>
-                    <a:lnT w="12700" cmpd="sng">
-                      <a:noFill/>
-                    </a:lnT>
-                    <a:lnB w="12700" cmpd="sng">
-                      <a:noFill/>
-                    </a:lnB>
-                    <a:lnTlToBr w="12700" cmpd="sng">
-                      <a:noFill/>
-                      <a:prstDash val="solid"/>
-                    </a:lnTlToBr>
-                    <a:lnBlToTr w="12700" cmpd="sng">
-                      <a:noFill/>
-                      <a:prstDash val="solid"/>
-                    </a:lnBlToTr>
-                    <a:noFill/>
-                  </a:tcPr>
-                </a:tc>
-                <a:tc>
-                  <a:txBody>
-                    <a:bodyPr/>
-                    <a:lstStyle/>
-                    <a:p>
-                      <a:pPr marL="0" marR="0" lvl="0" indent="0" algn="l" defTabSz="914400" rtl="0" eaLnBrk="1" fontAlgn="auto" latinLnBrk="0" hangingPunct="1">
-                        <a:lnSpc>
-                          <a:spcPct val="100000"/>
-                        </a:lnSpc>
-                        <a:spcBef>
-                          <a:spcPts val="0"/>
-                        </a:spcBef>
-                        <a:spcAft>
-                          <a:spcPts val="0"/>
-                        </a:spcAft>
-                        <a:buClrTx/>
-                        <a:buSzTx/>
-                        <a:buFontTx/>
-                        <a:buNone/>
-                        <a:tabLst/>
-                        <a:defRPr/>
-                      </a:pPr>
-                      <a:r>
-                        <a:rPr lang="en-US" sz="600">
+                        <a:rPr lang="en-US" sz="800">
                           <a:latin typeface="Consolas" charset="0"/>
                           <a:ea typeface="Consolas" charset="0"/>
                           <a:cs typeface="Consolas" charset="0"/>
                         </a:rPr>
                         <a:t>During sync_power_state the instance has a pending task spawning Skip</a:t>
                       </a:r>
-                      <a:endParaRPr lang="en-US" sz="600">
+                      <a:endParaRPr lang="en-US" sz="800">
                         <a:solidFill>
                           <a:schemeClr val="tx1"/>
                         </a:solidFill>
@@ -6824,7 +6251,7 @@
                     <a:p>
                       <a:pPr algn="ctr"/>
                       <a:r>
-                        <a:rPr lang="en-US" sz="600">
+                        <a:rPr lang="en-US" sz="800">
                           <a:solidFill>
                             <a:schemeClr val="tx1"/>
                           </a:solidFill>
@@ -6867,7 +6294,7 @@
                     <a:p>
                       <a:pPr algn="l"/>
                       <a:r>
-                        <a:rPr lang="de-DE" sz="600" b="0">
+                        <a:rPr lang="de-DE" sz="800" b="0">
                           <a:solidFill>
                             <a:schemeClr val="tx1"/>
                           </a:solidFill>
@@ -6877,7 +6304,7 @@
                         </a:rPr>
                         <a:t>VM Lifecycle Event</a:t>
                       </a:r>
-                      <a:endParaRPr lang="en-US" sz="600" b="0">
+                      <a:endParaRPr lang="en-US" sz="800" b="0">
                         <a:solidFill>
                           <a:schemeClr val="tx1"/>
                         </a:solidFill>
@@ -6936,14 +6363,14 @@
           <p:nvPr>
             <p:extLst>
               <p:ext uri="{D42A27DB-BD31-4B8C-83A1-F6EECF244321}">
-                <p14:modId xmlns:p14="http://schemas.microsoft.com/office/powerpoint/2010/main" val="3679827640"/>
+                <p14:modId xmlns:p14="http://schemas.microsoft.com/office/powerpoint/2010/main" val="3189665005"/>
               </p:ext>
             </p:extLst>
           </p:nvPr>
         </p:nvGraphicFramePr>
         <p:xfrm>
-          <a:off x="657329" y="7289194"/>
-          <a:ext cx="2048912" cy="1022589"/>
+          <a:off x="527257" y="7412473"/>
+          <a:ext cx="2521291" cy="869658"/>
         </p:xfrm>
         <a:graphic>
           <a:graphicData uri="http://schemas.openxmlformats.org/drawingml/2006/table">
@@ -6952,14 +6379,14 @@
                 <a:tableStyleId>{5C22544A-7EE6-4342-B048-85BDC9FD1C3A}</a:tableStyleId>
               </a:tblPr>
               <a:tblGrid>
-                <a:gridCol w="294587">
+                <a:gridCol w="362504">
                   <a:extLst>
                     <a:ext uri="{9D8B030D-6E8A-4147-A177-3AD203B41FA5}">
                       <a16:colId xmlns:a16="http://schemas.microsoft.com/office/drawing/2014/main" val="20000"/>
                     </a:ext>
                   </a:extLst>
                 </a:gridCol>
-                <a:gridCol w="1754325">
+                <a:gridCol w="2158787">
                   <a:extLst>
                     <a:ext uri="{9D8B030D-6E8A-4147-A177-3AD203B41FA5}">
                       <a16:colId xmlns:a16="http://schemas.microsoft.com/office/drawing/2014/main" val="20001"/>
@@ -6975,7 +6402,7 @@
                     <a:p>
                       <a:pPr algn="ctr"/>
                       <a:r>
-                        <a:rPr lang="en-US" sz="600" b="0">
+                        <a:rPr lang="en-US" sz="800" b="0">
                           <a:solidFill>
                             <a:schemeClr val="tx1"/>
                           </a:solidFill>
@@ -7018,7 +6445,7 @@
                     <a:p>
                       <a:pPr algn="l"/>
                       <a:r>
-                        <a:rPr lang="en-US" sz="600" b="0">
+                        <a:rPr lang="en-US" sz="800" b="0">
                           <a:solidFill>
                             <a:schemeClr val="tx1"/>
                           </a:solidFill>
@@ -7068,7 +6495,7 @@
                     <a:p>
                       <a:pPr algn="ctr"/>
                       <a:r>
-                        <a:rPr lang="en-US" sz="600">
+                        <a:rPr lang="en-US" sz="800">
                           <a:solidFill>
                             <a:schemeClr val="tx1"/>
                           </a:solidFill>
@@ -7111,7 +6538,7 @@
                     <a:p>
                       <a:pPr algn="l"/>
                       <a:r>
-                        <a:rPr lang="en-US" sz="600" b="0">
+                        <a:rPr lang="en-US" sz="800" b="0">
                           <a:solidFill>
                             <a:schemeClr val="tx1"/>
                           </a:solidFill>
@@ -7161,7 +6588,7 @@
                     <a:p>
                       <a:pPr algn="ctr"/>
                       <a:r>
-                        <a:rPr lang="en-US" sz="600">
+                        <a:rPr lang="en-US" sz="800">
                           <a:solidFill>
                             <a:schemeClr val="tx1"/>
                           </a:solidFill>
@@ -7204,7 +6631,7 @@
                     <a:p>
                       <a:pPr algn="l"/>
                       <a:r>
-                        <a:rPr lang="en-US" sz="600" b="0">
+                        <a:rPr lang="en-US" sz="800" b="0">
                           <a:solidFill>
                             <a:schemeClr val="tx1"/>
                           </a:solidFill>
@@ -7246,99 +6673,6 @@
                   </a:ext>
                 </a:extLst>
               </a:tr>
-              <a:tr h="169271">
-                <a:tc>
-                  <a:txBody>
-                    <a:bodyPr/>
-                    <a:lstStyle/>
-                    <a:p>
-                      <a:pPr algn="ctr"/>
-                      <a:r>
-                        <a:rPr lang="en-US" sz="600">
-                          <a:solidFill>
-                            <a:schemeClr val="tx1"/>
-                          </a:solidFill>
-                          <a:latin typeface="Consolas" charset="0"/>
-                          <a:ea typeface="Consolas" charset="0"/>
-                          <a:cs typeface="Consolas" charset="0"/>
-                        </a:rPr>
-                        <a:t>5</a:t>
-                      </a:r>
-                    </a:p>
-                  </a:txBody>
-                  <a:tcPr marL="51435" marR="51435" marT="25718" marB="25718" anchor="ctr">
-                    <a:lnL w="12700" cmpd="sng">
-                      <a:noFill/>
-                    </a:lnL>
-                    <a:lnR w="12700" cmpd="sng">
-                      <a:noFill/>
-                    </a:lnR>
-                    <a:lnT w="12700" cmpd="sng">
-                      <a:noFill/>
-                    </a:lnT>
-                    <a:lnB w="12700" cmpd="sng">
-                      <a:noFill/>
-                    </a:lnB>
-                    <a:lnTlToBr w="12700" cmpd="sng">
-                      <a:noFill/>
-                      <a:prstDash val="solid"/>
-                    </a:lnTlToBr>
-                    <a:lnBlToTr w="12700" cmpd="sng">
-                      <a:noFill/>
-                      <a:prstDash val="solid"/>
-                    </a:lnBlToTr>
-                    <a:noFill/>
-                  </a:tcPr>
-                </a:tc>
-                <a:tc>
-                  <a:txBody>
-                    <a:bodyPr/>
-                    <a:lstStyle/>
-                    <a:p>
-                      <a:pPr algn="l"/>
-                      <a:r>
-                        <a:rPr lang="en-US" sz="600" b="0">
-                          <a:solidFill>
-                            <a:schemeClr val="tx1"/>
-                          </a:solidFill>
-                          <a:latin typeface="Consolas" charset="0"/>
-                          <a:ea typeface="Consolas" charset="0"/>
-                          <a:cs typeface="Consolas" charset="0"/>
-                        </a:rPr>
-                        <a:t>&lt;0.472, -0.231, -0.881, ..., 0.265&gt;</a:t>
-                      </a:r>
-                    </a:p>
-                  </a:txBody>
-                  <a:tcPr marL="51435" marR="51435" marT="25718" marB="25718" anchor="ctr">
-                    <a:lnL w="12700" cmpd="sng">
-                      <a:noFill/>
-                    </a:lnL>
-                    <a:lnR w="12700" cmpd="sng">
-                      <a:noFill/>
-                    </a:lnR>
-                    <a:lnT w="12700" cmpd="sng">
-                      <a:noFill/>
-                    </a:lnT>
-                    <a:lnB w="12700" cmpd="sng">
-                      <a:noFill/>
-                    </a:lnB>
-                    <a:lnTlToBr w="12700" cmpd="sng">
-                      <a:noFill/>
-                      <a:prstDash val="solid"/>
-                    </a:lnTlToBr>
-                    <a:lnBlToTr w="12700" cmpd="sng">
-                      <a:noFill/>
-                      <a:prstDash val="solid"/>
-                    </a:lnBlToTr>
-                    <a:noFill/>
-                  </a:tcPr>
-                </a:tc>
-                <a:extLst>
-                  <a:ext uri="{0D108BD9-81ED-4DB2-BD59-A6C34878D82A}">
-                    <a16:rowId xmlns:a16="http://schemas.microsoft.com/office/drawing/2014/main" val="10004"/>
-                  </a:ext>
-                </a:extLst>
-              </a:tr>
               <a:tr h="176234">
                 <a:tc>
                   <a:txBody>
@@ -7347,7 +6681,7 @@
                     <a:p>
                       <a:pPr algn="ctr"/>
                       <a:r>
-                        <a:rPr lang="en-US" sz="600">
+                        <a:rPr lang="en-US" sz="800">
                           <a:solidFill>
                             <a:schemeClr val="tx1"/>
                           </a:solidFill>
@@ -7390,7 +6724,7 @@
                     <a:p>
                       <a:pPr algn="l"/>
                       <a:r>
-                        <a:rPr lang="en-US" sz="600" b="0">
+                        <a:rPr lang="en-US" sz="800" b="0">
                           <a:solidFill>
                             <a:schemeClr val="tx1"/>
                           </a:solidFill>
@@ -7440,7 +6774,7 @@
                     <a:p>
                       <a:pPr algn="ctr"/>
                       <a:r>
-                        <a:rPr lang="en-US" sz="600">
+                        <a:rPr lang="en-US" sz="800">
                           <a:solidFill>
                             <a:schemeClr val="tx1"/>
                           </a:solidFill>
@@ -7483,7 +6817,7 @@
                     <a:p>
                       <a:pPr algn="l"/>
                       <a:r>
-                        <a:rPr lang="en-US" sz="600" b="0">
+                        <a:rPr lang="en-US" sz="800" b="0">
                           <a:solidFill>
                             <a:schemeClr val="tx1"/>
                           </a:solidFill>
@@ -7540,13 +6874,14 @@
           </p:cNvPr>
           <p:cNvCxnSpPr>
             <a:cxnSpLocks/>
+            <a:endCxn id="56" idx="0"/>
           </p:cNvCxnSpPr>
           <p:nvPr/>
         </p:nvCxnSpPr>
         <p:spPr>
           <a:xfrm>
-            <a:off x="5073329" y="5120760"/>
-            <a:ext cx="0" cy="366196"/>
+            <a:off x="5080209" y="5327210"/>
+            <a:ext cx="0" cy="249919"/>
           </a:xfrm>
           <a:prstGeom prst="straightConnector1">
             <a:avLst/>
@@ -7586,7 +6921,7 @@
         </p:nvCxnSpPr>
         <p:spPr>
           <a:xfrm flipH="1">
-            <a:off x="132934" y="332714"/>
+            <a:off x="132934" y="245629"/>
             <a:ext cx="307718" cy="1543"/>
           </a:xfrm>
           <a:prstGeom prst="line">
@@ -7672,7 +7007,7 @@
         </p:nvCxnSpPr>
         <p:spPr>
           <a:xfrm flipV="1">
-            <a:off x="435296" y="136422"/>
+            <a:off x="435296" y="49337"/>
             <a:ext cx="1" cy="191543"/>
           </a:xfrm>
           <a:prstGeom prst="line">
@@ -7756,8 +7091,8 @@
         </p:nvSpPr>
         <p:spPr>
           <a:xfrm>
-            <a:off x="3428992" y="5491712"/>
-            <a:ext cx="3284543" cy="215444"/>
+            <a:off x="3437937" y="5577129"/>
+            <a:ext cx="3284543" cy="246221"/>
           </a:xfrm>
           <a:prstGeom prst="rect">
             <a:avLst/>
@@ -7772,7 +7107,7 @@
           <a:p>
             <a:pPr algn="ctr"/>
             <a:r>
-              <a:rPr lang="en-US" sz="800">
+              <a:rPr lang="en-US" sz="1000">
                 <a:latin typeface="Consolas" charset="0"/>
                 <a:ea typeface="Consolas" charset="0"/>
                 <a:cs typeface="Consolas" charset="0"/>
@@ -7796,8 +7131,8 @@
         </p:nvSpPr>
         <p:spPr>
           <a:xfrm>
-            <a:off x="3429000" y="5486956"/>
-            <a:ext cx="3284545" cy="1234426"/>
+            <a:off x="3437945" y="5572372"/>
+            <a:ext cx="3284545" cy="1399765"/>
           </a:xfrm>
           <a:prstGeom prst="rect">
             <a:avLst/>
@@ -7848,8 +7183,8 @@
         </p:nvSpPr>
         <p:spPr>
           <a:xfrm>
-            <a:off x="3731574" y="5698792"/>
-            <a:ext cx="2981965" cy="1022591"/>
+            <a:off x="3740519" y="5784209"/>
+            <a:ext cx="2981965" cy="1187928"/>
           </a:xfrm>
           <a:prstGeom prst="rect">
             <a:avLst/>
@@ -7911,7 +7246,7 @@
         </p:nvSpPr>
         <p:spPr>
           <a:xfrm>
-            <a:off x="129095" y="5470795"/>
+            <a:off x="129095" y="5568765"/>
             <a:ext cx="385654" cy="215444"/>
           </a:xfrm>
           <a:prstGeom prst="rect">
@@ -7951,8 +7286,8 @@
         </p:nvSpPr>
         <p:spPr>
           <a:xfrm>
-            <a:off x="174812" y="5481674"/>
-            <a:ext cx="2920815" cy="215444"/>
+            <a:off x="174812" y="5579644"/>
+            <a:ext cx="2920815" cy="246221"/>
           </a:xfrm>
           <a:prstGeom prst="rect">
             <a:avLst/>
@@ -7967,7 +7302,7 @@
           <a:p>
             <a:pPr algn="ctr"/>
             <a:r>
-              <a:rPr lang="en-US" sz="800">
+              <a:rPr lang="en-US" sz="1000">
                 <a:latin typeface="Consolas" charset="0"/>
                 <a:ea typeface="Consolas" charset="0"/>
                 <a:cs typeface="Consolas" charset="0"/>
@@ -7991,8 +7326,8 @@
         </p:nvSpPr>
         <p:spPr>
           <a:xfrm>
-            <a:off x="163789" y="5476918"/>
-            <a:ext cx="2931848" cy="1234426"/>
+            <a:off x="163789" y="5574887"/>
+            <a:ext cx="2931848" cy="1402853"/>
           </a:xfrm>
           <a:prstGeom prst="rect">
             <a:avLst/>
@@ -8043,8 +7378,8 @@
         </p:nvSpPr>
         <p:spPr>
           <a:xfrm>
-            <a:off x="475724" y="5688754"/>
-            <a:ext cx="2619907" cy="1022591"/>
+            <a:off x="475724" y="5786724"/>
+            <a:ext cx="2619907" cy="1192995"/>
           </a:xfrm>
           <a:prstGeom prst="rect">
             <a:avLst/>
@@ -8108,7 +7443,7 @@
         </p:nvCxnSpPr>
         <p:spPr>
           <a:xfrm flipH="1">
-            <a:off x="168007" y="5688218"/>
+            <a:off x="168007" y="5786188"/>
             <a:ext cx="307718" cy="1543"/>
           </a:xfrm>
           <a:prstGeom prst="line">
@@ -8151,7 +7486,7 @@
         </p:nvCxnSpPr>
         <p:spPr>
           <a:xfrm flipV="1">
-            <a:off x="475725" y="5479214"/>
+            <a:off x="475725" y="5577184"/>
             <a:ext cx="1" cy="210697"/>
           </a:xfrm>
           <a:prstGeom prst="line">
@@ -8192,7 +7527,7 @@
         </p:nvSpPr>
         <p:spPr>
           <a:xfrm>
-            <a:off x="603251" y="7070078"/>
+            <a:off x="473180" y="7193357"/>
             <a:ext cx="385654" cy="215444"/>
           </a:xfrm>
           <a:prstGeom prst="rect">
@@ -8232,8 +7567,8 @@
         </p:nvSpPr>
         <p:spPr>
           <a:xfrm>
-            <a:off x="644814" y="7072766"/>
-            <a:ext cx="2024213" cy="215444"/>
+            <a:off x="514743" y="7196046"/>
+            <a:ext cx="2533799" cy="246221"/>
           </a:xfrm>
           <a:prstGeom prst="rect">
             <a:avLst/>
@@ -8248,7 +7583,7 @@
           <a:p>
             <a:pPr algn="ctr"/>
             <a:r>
-              <a:rPr lang="en-US" sz="800">
+              <a:rPr lang="en-US" sz="1000">
                 <a:latin typeface="Consolas" charset="0"/>
                 <a:ea typeface="Consolas" charset="0"/>
                 <a:cs typeface="Consolas" charset="0"/>
@@ -8272,8 +7607,8 @@
         </p:nvSpPr>
         <p:spPr>
           <a:xfrm>
-            <a:off x="644820" y="7068010"/>
-            <a:ext cx="2024213" cy="1234426"/>
+            <a:off x="514749" y="7191289"/>
+            <a:ext cx="2533799" cy="1234426"/>
           </a:xfrm>
           <a:prstGeom prst="rect">
             <a:avLst/>
@@ -8324,8 +7659,8 @@
         </p:nvSpPr>
         <p:spPr>
           <a:xfrm>
-            <a:off x="958896" y="7279846"/>
-            <a:ext cx="1710134" cy="1022591"/>
+            <a:off x="828824" y="7403125"/>
+            <a:ext cx="2219725" cy="1022591"/>
           </a:xfrm>
           <a:prstGeom prst="rect">
             <a:avLst/>
@@ -8389,7 +7724,7 @@
         </p:nvCxnSpPr>
         <p:spPr>
           <a:xfrm flipH="1">
-            <a:off x="642163" y="7280521"/>
+            <a:off x="512092" y="7403800"/>
             <a:ext cx="307718" cy="1543"/>
           </a:xfrm>
           <a:prstGeom prst="line">
@@ -8432,7 +7767,7 @@
         </p:nvCxnSpPr>
         <p:spPr>
           <a:xfrm flipV="1">
-            <a:off x="957696" y="7078497"/>
+            <a:off x="827625" y="7201776"/>
             <a:ext cx="1" cy="210697"/>
           </a:xfrm>
           <a:prstGeom prst="line">
@@ -8475,8 +7810,8 @@
         </p:nvCxnSpPr>
         <p:spPr>
           <a:xfrm>
-            <a:off x="3453934" y="2943576"/>
-            <a:ext cx="0" cy="275128"/>
+            <a:off x="3450771" y="3048000"/>
+            <a:ext cx="3163" cy="170704"/>
           </a:xfrm>
           <a:prstGeom prst="straightConnector1">
             <a:avLst/>
@@ -8557,8 +7892,8 @@
         </p:nvCxnSpPr>
         <p:spPr>
           <a:xfrm>
-            <a:off x="1736818" y="6730379"/>
-            <a:ext cx="1241" cy="332543"/>
+            <a:off x="1738059" y="6984327"/>
+            <a:ext cx="0" cy="209223"/>
           </a:xfrm>
           <a:prstGeom prst="straightConnector1">
             <a:avLst/>
@@ -8596,7 +7931,7 @@
         </p:nvSpPr>
         <p:spPr>
           <a:xfrm>
-            <a:off x="3384944" y="5489980"/>
+            <a:off x="3393889" y="5575397"/>
             <a:ext cx="385654" cy="215444"/>
           </a:xfrm>
           <a:prstGeom prst="rect">
@@ -8638,7 +7973,7 @@
         </p:nvCxnSpPr>
         <p:spPr>
           <a:xfrm flipH="1">
-            <a:off x="3423856" y="5700423"/>
+            <a:off x="3432801" y="5774954"/>
             <a:ext cx="307718" cy="1543"/>
           </a:xfrm>
           <a:prstGeom prst="line">
@@ -8681,7 +8016,7 @@
         </p:nvCxnSpPr>
         <p:spPr>
           <a:xfrm flipV="1">
-            <a:off x="3731574" y="5491419"/>
+            <a:off x="3740519" y="5576836"/>
             <a:ext cx="1" cy="210697"/>
           </a:xfrm>
           <a:prstGeom prst="line">
